--- a/2021년 6월 3일 발표.pptx
+++ b/2021년 6월 3일 발표.pptx
@@ -38,18 +38,14 @@
   <p:notesSz cx="6805613" cy="9939338"/>
   <p:embeddedFontLst>
     <p:embeddedFont>
-      <p:font typeface="210 옴니고딕 030" panose="02020603020101020101" pitchFamily="18" charset="-127"/>
+      <p:font typeface="나눔고딕" charset="-127"/>
       <p:regular r:id="rId26"/>
+      <p:bold r:id="rId27"/>
     </p:embeddedFont>
     <p:embeddedFont>
-      <p:font typeface="나눔고딕" panose="020D0604000000000000" pitchFamily="50" charset="-127"/>
-      <p:regular r:id="rId27"/>
-      <p:bold r:id="rId28"/>
-    </p:embeddedFont>
-    <p:embeddedFont>
-      <p:font typeface="맑은 고딕" panose="020B0503020000020004" pitchFamily="50" charset="-127"/>
-      <p:regular r:id="rId29"/>
-      <p:bold r:id="rId30"/>
+      <p:font typeface="맑은 고딕" pitchFamily="50" charset="-127"/>
+      <p:regular r:id="rId28"/>
+      <p:bold r:id="rId29"/>
     </p:embeddedFont>
   </p:embeddedFontLst>
   <p:defaultTextStyle>
@@ -149,7 +145,7 @@
   </p:defaultTextStyle>
   <p:extLst>
     <p:ext uri="{EFAFB233-063F-42B5-8137-9DF3F51BA10A}">
-      <p15:sldGuideLst xmlns:p15="http://schemas.microsoft.com/office/powerpoint/2012/main">
+      <p15:sldGuideLst xmlns:p15="http://schemas.microsoft.com/office/powerpoint/2012/main" xmlns="">
         <p15:guide id="1" orient="horz" pos="2166">
           <p15:clr>
             <a:srgbClr val="A4A3A4"/>
@@ -233,7 +229,7 @@
       </p15:sldGuideLst>
     </p:ext>
     <p:ext uri="{2D200454-40CA-4A62-9FC3-DE9A4176ACB9}">
-      <p15:notesGuideLst xmlns:p15="http://schemas.microsoft.com/office/powerpoint/2012/main">
+      <p15:notesGuideLst xmlns:p15="http://schemas.microsoft.com/office/powerpoint/2012/main" xmlns="">
         <p15:guide id="1" orient="horz" pos="3131">
           <p15:clr>
             <a:srgbClr val="A4A3A4"/>
@@ -333,7 +329,7 @@
             <a:fld id="{207F23D9-DF40-4811-9C78-A2E2A32398DD}" type="datetimeFigureOut">
               <a:rPr lang="ko-KR" altLang="en-US" smtClean="0"/>
               <a:pPr/>
-              <a:t>2021-06-02</a:t>
+              <a:t>2021-06-03</a:t>
             </a:fld>
             <a:endParaRPr lang="ko-KR" altLang="en-US"/>
           </a:p>
@@ -409,7 +405,7 @@
     </p:spTree>
     <p:extLst>
       <p:ext uri="{BB962C8B-B14F-4D97-AF65-F5344CB8AC3E}">
-        <p14:creationId xmlns:p14="http://schemas.microsoft.com/office/powerpoint/2010/main" val="2891599686"/>
+        <p14:creationId xmlns:p14="http://schemas.microsoft.com/office/powerpoint/2010/main" xmlns="" val="2891599686"/>
       </p:ext>
     </p:extLst>
   </p:cSld>
@@ -501,7 +497,7 @@
             <a:fld id="{F3AF6795-A612-454E-AF7A-9192B1BEBB13}" type="datetimeFigureOut">
               <a:rPr lang="ko-KR" altLang="en-US" smtClean="0"/>
               <a:pPr/>
-              <a:t>2021-06-02</a:t>
+              <a:t>2021-06-03</a:t>
             </a:fld>
             <a:endParaRPr lang="ko-KR" altLang="en-US"/>
           </a:p>
@@ -671,7 +667,7 @@
     </p:spTree>
     <p:extLst>
       <p:ext uri="{BB962C8B-B14F-4D97-AF65-F5344CB8AC3E}">
-        <p14:creationId xmlns:p14="http://schemas.microsoft.com/office/powerpoint/2010/main" val="1587304990"/>
+        <p14:creationId xmlns:p14="http://schemas.microsoft.com/office/powerpoint/2010/main" xmlns="" val="1587304990"/>
       </p:ext>
     </p:extLst>
   </p:cSld>
@@ -881,7 +877,7 @@
     </p:spTree>
     <p:extLst>
       <p:ext uri="{BB962C8B-B14F-4D97-AF65-F5344CB8AC3E}">
-        <p14:creationId xmlns:p14="http://schemas.microsoft.com/office/powerpoint/2010/main" val="2543437477"/>
+        <p14:creationId xmlns:p14="http://schemas.microsoft.com/office/powerpoint/2010/main" xmlns="" val="2543437477"/>
       </p:ext>
     </p:extLst>
   </p:cSld>
@@ -942,7 +938,7 @@
     </p:spTree>
     <p:extLst>
       <p:ext uri="{BB962C8B-B14F-4D97-AF65-F5344CB8AC3E}">
-        <p14:creationId xmlns:p14="http://schemas.microsoft.com/office/powerpoint/2010/main" val="3047001765"/>
+        <p14:creationId xmlns:p14="http://schemas.microsoft.com/office/powerpoint/2010/main" xmlns="" val="3047001765"/>
       </p:ext>
     </p:extLst>
   </p:cSld>
@@ -1003,7 +999,7 @@
     </p:spTree>
     <p:extLst>
       <p:ext uri="{BB962C8B-B14F-4D97-AF65-F5344CB8AC3E}">
-        <p14:creationId xmlns:p14="http://schemas.microsoft.com/office/powerpoint/2010/main" val="1036827057"/>
+        <p14:creationId xmlns:p14="http://schemas.microsoft.com/office/powerpoint/2010/main" xmlns="" val="1036827057"/>
       </p:ext>
     </p:extLst>
   </p:cSld>
@@ -1064,7 +1060,7 @@
     </p:spTree>
     <p:extLst>
       <p:ext uri="{BB962C8B-B14F-4D97-AF65-F5344CB8AC3E}">
-        <p14:creationId xmlns:p14="http://schemas.microsoft.com/office/powerpoint/2010/main" val="4187057695"/>
+        <p14:creationId xmlns:p14="http://schemas.microsoft.com/office/powerpoint/2010/main" xmlns="" val="4187057695"/>
       </p:ext>
     </p:extLst>
   </p:cSld>
@@ -1125,7 +1121,7 @@
     </p:spTree>
     <p:extLst>
       <p:ext uri="{BB962C8B-B14F-4D97-AF65-F5344CB8AC3E}">
-        <p14:creationId xmlns:p14="http://schemas.microsoft.com/office/powerpoint/2010/main" val="4003268119"/>
+        <p14:creationId xmlns:p14="http://schemas.microsoft.com/office/powerpoint/2010/main" xmlns="" val="4003268119"/>
       </p:ext>
     </p:extLst>
   </p:cSld>
@@ -1186,7 +1182,7 @@
     </p:spTree>
     <p:extLst>
       <p:ext uri="{BB962C8B-B14F-4D97-AF65-F5344CB8AC3E}">
-        <p14:creationId xmlns:p14="http://schemas.microsoft.com/office/powerpoint/2010/main" val="306227858"/>
+        <p14:creationId xmlns:p14="http://schemas.microsoft.com/office/powerpoint/2010/main" xmlns="" val="306227858"/>
       </p:ext>
     </p:extLst>
   </p:cSld>
@@ -1247,7 +1243,7 @@
     </p:spTree>
     <p:extLst>
       <p:ext uri="{BB962C8B-B14F-4D97-AF65-F5344CB8AC3E}">
-        <p14:creationId xmlns:p14="http://schemas.microsoft.com/office/powerpoint/2010/main" val="1024830667"/>
+        <p14:creationId xmlns:p14="http://schemas.microsoft.com/office/powerpoint/2010/main" xmlns="" val="1024830667"/>
       </p:ext>
     </p:extLst>
   </p:cSld>
@@ -1308,7 +1304,7 @@
     </p:spTree>
     <p:extLst>
       <p:ext uri="{BB962C8B-B14F-4D97-AF65-F5344CB8AC3E}">
-        <p14:creationId xmlns:p14="http://schemas.microsoft.com/office/powerpoint/2010/main" val="99278073"/>
+        <p14:creationId xmlns:p14="http://schemas.microsoft.com/office/powerpoint/2010/main" xmlns="" val="99278073"/>
       </p:ext>
     </p:extLst>
   </p:cSld>
@@ -1369,7 +1365,7 @@
     </p:spTree>
     <p:extLst>
       <p:ext uri="{BB962C8B-B14F-4D97-AF65-F5344CB8AC3E}">
-        <p14:creationId xmlns:p14="http://schemas.microsoft.com/office/powerpoint/2010/main" val="3781698549"/>
+        <p14:creationId xmlns:p14="http://schemas.microsoft.com/office/powerpoint/2010/main" xmlns="" val="3781698549"/>
       </p:ext>
     </p:extLst>
   </p:cSld>
@@ -1430,7 +1426,7 @@
     </p:spTree>
     <p:extLst>
       <p:ext uri="{BB962C8B-B14F-4D97-AF65-F5344CB8AC3E}">
-        <p14:creationId xmlns:p14="http://schemas.microsoft.com/office/powerpoint/2010/main" val="3512755709"/>
+        <p14:creationId xmlns:p14="http://schemas.microsoft.com/office/powerpoint/2010/main" xmlns="" val="3512755709"/>
       </p:ext>
     </p:extLst>
   </p:cSld>
@@ -1491,7 +1487,7 @@
     </p:spTree>
     <p:extLst>
       <p:ext uri="{BB962C8B-B14F-4D97-AF65-F5344CB8AC3E}">
-        <p14:creationId xmlns:p14="http://schemas.microsoft.com/office/powerpoint/2010/main" val="3341939384"/>
+        <p14:creationId xmlns:p14="http://schemas.microsoft.com/office/powerpoint/2010/main" xmlns="" val="3341939384"/>
       </p:ext>
     </p:extLst>
   </p:cSld>
@@ -1552,7 +1548,7 @@
     </p:spTree>
     <p:extLst>
       <p:ext uri="{BB962C8B-B14F-4D97-AF65-F5344CB8AC3E}">
-        <p14:creationId xmlns:p14="http://schemas.microsoft.com/office/powerpoint/2010/main" val="3364154112"/>
+        <p14:creationId xmlns:p14="http://schemas.microsoft.com/office/powerpoint/2010/main" xmlns="" val="3364154112"/>
       </p:ext>
     </p:extLst>
   </p:cSld>
@@ -1671,7 +1667,7 @@
     </p:spTree>
     <p:extLst>
       <p:ext uri="{BB962C8B-B14F-4D97-AF65-F5344CB8AC3E}">
-        <p14:creationId xmlns:p14="http://schemas.microsoft.com/office/powerpoint/2010/main" val="1158920028"/>
+        <p14:creationId xmlns:p14="http://schemas.microsoft.com/office/powerpoint/2010/main" xmlns="" val="1158920028"/>
       </p:ext>
     </p:extLst>
   </p:cSld>
@@ -1732,7 +1728,7 @@
     </p:spTree>
     <p:extLst>
       <p:ext uri="{BB962C8B-B14F-4D97-AF65-F5344CB8AC3E}">
-        <p14:creationId xmlns:p14="http://schemas.microsoft.com/office/powerpoint/2010/main" val="1805838530"/>
+        <p14:creationId xmlns:p14="http://schemas.microsoft.com/office/powerpoint/2010/main" xmlns="" val="1805838530"/>
       </p:ext>
     </p:extLst>
   </p:cSld>
@@ -1793,7 +1789,7 @@
     </p:spTree>
     <p:extLst>
       <p:ext uri="{BB962C8B-B14F-4D97-AF65-F5344CB8AC3E}">
-        <p14:creationId xmlns:p14="http://schemas.microsoft.com/office/powerpoint/2010/main" val="869641730"/>
+        <p14:creationId xmlns:p14="http://schemas.microsoft.com/office/powerpoint/2010/main" xmlns="" val="869641730"/>
       </p:ext>
     </p:extLst>
   </p:cSld>
@@ -1854,7 +1850,7 @@
     </p:spTree>
     <p:extLst>
       <p:ext uri="{BB962C8B-B14F-4D97-AF65-F5344CB8AC3E}">
-        <p14:creationId xmlns:p14="http://schemas.microsoft.com/office/powerpoint/2010/main" val="2539004426"/>
+        <p14:creationId xmlns:p14="http://schemas.microsoft.com/office/powerpoint/2010/main" xmlns="" val="2539004426"/>
       </p:ext>
     </p:extLst>
   </p:cSld>
@@ -1915,7 +1911,7 @@
     </p:spTree>
     <p:extLst>
       <p:ext uri="{BB962C8B-B14F-4D97-AF65-F5344CB8AC3E}">
-        <p14:creationId xmlns:p14="http://schemas.microsoft.com/office/powerpoint/2010/main" val="842363117"/>
+        <p14:creationId xmlns:p14="http://schemas.microsoft.com/office/powerpoint/2010/main" xmlns="" val="842363117"/>
       </p:ext>
     </p:extLst>
   </p:cSld>
@@ -1976,7 +1972,7 @@
     </p:spTree>
     <p:extLst>
       <p:ext uri="{BB962C8B-B14F-4D97-AF65-F5344CB8AC3E}">
-        <p14:creationId xmlns:p14="http://schemas.microsoft.com/office/powerpoint/2010/main" val="645819681"/>
+        <p14:creationId xmlns:p14="http://schemas.microsoft.com/office/powerpoint/2010/main" xmlns="" val="645819681"/>
       </p:ext>
     </p:extLst>
   </p:cSld>
@@ -2037,7 +2033,7 @@
     </p:spTree>
     <p:extLst>
       <p:ext uri="{BB962C8B-B14F-4D97-AF65-F5344CB8AC3E}">
-        <p14:creationId xmlns:p14="http://schemas.microsoft.com/office/powerpoint/2010/main" val="1327653944"/>
+        <p14:creationId xmlns:p14="http://schemas.microsoft.com/office/powerpoint/2010/main" xmlns="" val="1327653944"/>
       </p:ext>
     </p:extLst>
   </p:cSld>
@@ -2546,7 +2542,8 @@
           <a:p>
             <a:fld id="{9AA08716-9E6A-4A24-8493-A72AA37BBD5C}" type="datetime1">
               <a:rPr lang="ko-KR" altLang="en-US" smtClean="0"/>
-              <a:t>2021-06-02</a:t>
+              <a:pPr/>
+              <a:t>2021-06-03</a:t>
             </a:fld>
             <a:endParaRPr lang="ko-KR" altLang="en-US"/>
           </a:p>
@@ -3290,7 +3287,8 @@
           <a:p>
             <a:fld id="{23ED893E-93B8-4B8A-8BD5-4FF00A5A9556}" type="datetime1">
               <a:rPr lang="ko-KR" altLang="en-US" smtClean="0"/>
-              <a:t>2021-06-02</a:t>
+              <a:pPr/>
+              <a:t>2021-06-03</a:t>
             </a:fld>
             <a:endParaRPr lang="ko-KR" altLang="en-US"/>
           </a:p>
@@ -3601,7 +3599,8 @@
           <a:p>
             <a:fld id="{AD83C14E-3BC2-4ABB-AFDC-03F6C50D0B8B}" type="datetime1">
               <a:rPr lang="ko-KR" altLang="en-US" smtClean="0"/>
-              <a:t>2021-06-02</a:t>
+              <a:pPr/>
+              <a:t>2021-06-03</a:t>
             </a:fld>
             <a:endParaRPr lang="ko-KR" altLang="en-US"/>
           </a:p>
@@ -3853,7 +3852,8 @@
           <a:p>
             <a:fld id="{BCFE353A-24AE-49E2-9FB4-53150C2D7D5F}" type="datetime1">
               <a:rPr lang="ko-KR" altLang="en-US" smtClean="0"/>
-              <a:t>2021-06-02</a:t>
+              <a:pPr/>
+              <a:t>2021-06-03</a:t>
             </a:fld>
             <a:endParaRPr lang="ko-KR" altLang="en-US"/>
           </a:p>
@@ -4076,7 +4076,8 @@
           <a:p>
             <a:fld id="{45647EB5-D19B-4F20-BDF9-0E9ED1B081AA}" type="datetime1">
               <a:rPr lang="ko-KR" altLang="en-US" smtClean="0"/>
-              <a:t>2021-06-02</a:t>
+              <a:pPr/>
+              <a:t>2021-06-03</a:t>
             </a:fld>
             <a:endParaRPr lang="ko-KR" altLang="en-US"/>
           </a:p>
@@ -4299,7 +4300,8 @@
           <a:p>
             <a:fld id="{0C02E562-3E81-4222-A4D4-0743A1730EDA}" type="datetime1">
               <a:rPr lang="ko-KR" altLang="en-US" smtClean="0"/>
-              <a:t>2021-06-02</a:t>
+              <a:pPr/>
+              <a:t>2021-06-03</a:t>
             </a:fld>
             <a:endParaRPr lang="ko-KR" altLang="en-US"/>
           </a:p>
@@ -5061,7 +5063,7 @@
           <p:cNvPr id="8" name="그림 7">
             <a:extLst>
               <a:ext uri="{FF2B5EF4-FFF2-40B4-BE49-F238E27FC236}">
-                <a16:creationId xmlns:a16="http://schemas.microsoft.com/office/drawing/2014/main" id="{62BD32CB-DFBB-4974-8112-0120D9E81DC6}"/>
+                <a16:creationId xmlns:a16="http://schemas.microsoft.com/office/drawing/2014/main" xmlns="" id="{62BD32CB-DFBB-4974-8112-0120D9E81DC6}"/>
               </a:ext>
             </a:extLst>
           </p:cNvPr>
@@ -5074,7 +5076,7 @@
           <a:blip r:embed="rId3" cstate="print">
             <a:extLst>
               <a:ext uri="{28A0092B-C50C-407E-A947-70E740481C1C}">
-                <a14:useLocalDpi xmlns:a14="http://schemas.microsoft.com/office/drawing/2010/main" val="0"/>
+                <a14:useLocalDpi xmlns:a14="http://schemas.microsoft.com/office/drawing/2010/main" xmlns="" val="0"/>
               </a:ext>
             </a:extLst>
           </a:blip>
@@ -5097,7 +5099,7 @@
           <p:cNvPr id="4" name="슬라이드 번호 개체 틀 3">
             <a:extLst>
               <a:ext uri="{FF2B5EF4-FFF2-40B4-BE49-F238E27FC236}">
-                <a16:creationId xmlns:a16="http://schemas.microsoft.com/office/drawing/2014/main" id="{01DE573C-8BAB-4114-8888-F2A5A62451CA}"/>
+                <a16:creationId xmlns:a16="http://schemas.microsoft.com/office/drawing/2014/main" xmlns="" id="{01DE573C-8BAB-4114-8888-F2A5A62451CA}"/>
               </a:ext>
             </a:extLst>
           </p:cNvPr>
@@ -5432,7 +5434,7 @@
           <p:cNvPr id="4" name="TextBox 3">
             <a:extLst>
               <a:ext uri="{FF2B5EF4-FFF2-40B4-BE49-F238E27FC236}">
-                <a16:creationId xmlns:a16="http://schemas.microsoft.com/office/drawing/2014/main" id="{CCF5EA5B-3058-4CA0-B073-66733B1B2758}"/>
+                <a16:creationId xmlns:a16="http://schemas.microsoft.com/office/drawing/2014/main" xmlns="" id="{CCF5EA5B-3058-4CA0-B073-66733B1B2758}"/>
               </a:ext>
             </a:extLst>
           </p:cNvPr>
@@ -5543,7 +5545,7 @@
           <p:cNvPr id="13" name="그림 12">
             <a:extLst>
               <a:ext uri="{FF2B5EF4-FFF2-40B4-BE49-F238E27FC236}">
-                <a16:creationId xmlns:a16="http://schemas.microsoft.com/office/drawing/2014/main" id="{8E687D0E-D682-4D3D-91FF-764C2693AA77}"/>
+                <a16:creationId xmlns:a16="http://schemas.microsoft.com/office/drawing/2014/main" xmlns="" id="{8E687D0E-D682-4D3D-91FF-764C2693AA77}"/>
               </a:ext>
             </a:extLst>
           </p:cNvPr>
@@ -5556,7 +5558,7 @@
           <a:blip r:embed="rId3" cstate="print">
             <a:extLst>
               <a:ext uri="{28A0092B-C50C-407E-A947-70E740481C1C}">
-                <a14:useLocalDpi xmlns:a14="http://schemas.microsoft.com/office/drawing/2010/main" val="0"/>
+                <a14:useLocalDpi xmlns:a14="http://schemas.microsoft.com/office/drawing/2010/main" xmlns="" val="0"/>
               </a:ext>
             </a:extLst>
           </a:blip>
@@ -5579,7 +5581,7 @@
           <p:cNvPr id="18" name="슬라이드 번호 개체 틀 17">
             <a:extLst>
               <a:ext uri="{FF2B5EF4-FFF2-40B4-BE49-F238E27FC236}">
-                <a16:creationId xmlns:a16="http://schemas.microsoft.com/office/drawing/2014/main" id="{80E74BDD-2288-4955-BCED-8609EFDE5904}"/>
+                <a16:creationId xmlns:a16="http://schemas.microsoft.com/office/drawing/2014/main" xmlns="" id="{80E74BDD-2288-4955-BCED-8609EFDE5904}"/>
               </a:ext>
             </a:extLst>
           </p:cNvPr>
@@ -5607,7 +5609,7 @@
     </p:spTree>
     <p:extLst>
       <p:ext uri="{BB962C8B-B14F-4D97-AF65-F5344CB8AC3E}">
-        <p14:creationId xmlns:p14="http://schemas.microsoft.com/office/powerpoint/2010/main" val="2898310611"/>
+        <p14:creationId xmlns:p14="http://schemas.microsoft.com/office/powerpoint/2010/main" xmlns="" val="2898310611"/>
       </p:ext>
     </p:extLst>
   </p:cSld>
@@ -5919,7 +5921,7 @@
           <p:cNvPr id="4" name="TextBox 3">
             <a:extLst>
               <a:ext uri="{FF2B5EF4-FFF2-40B4-BE49-F238E27FC236}">
-                <a16:creationId xmlns:a16="http://schemas.microsoft.com/office/drawing/2014/main" id="{CCF5EA5B-3058-4CA0-B073-66733B1B2758}"/>
+                <a16:creationId xmlns:a16="http://schemas.microsoft.com/office/drawing/2014/main" xmlns="" id="{CCF5EA5B-3058-4CA0-B073-66733B1B2758}"/>
               </a:ext>
             </a:extLst>
           </p:cNvPr>
@@ -6023,7 +6025,7 @@
           <p:cNvPr id="13" name="그림 12">
             <a:extLst>
               <a:ext uri="{FF2B5EF4-FFF2-40B4-BE49-F238E27FC236}">
-                <a16:creationId xmlns:a16="http://schemas.microsoft.com/office/drawing/2014/main" id="{8E687D0E-D682-4D3D-91FF-764C2693AA77}"/>
+                <a16:creationId xmlns:a16="http://schemas.microsoft.com/office/drawing/2014/main" xmlns="" id="{8E687D0E-D682-4D3D-91FF-764C2693AA77}"/>
               </a:ext>
             </a:extLst>
           </p:cNvPr>
@@ -6036,7 +6038,7 @@
           <a:blip r:embed="rId3" cstate="print">
             <a:extLst>
               <a:ext uri="{28A0092B-C50C-407E-A947-70E740481C1C}">
-                <a14:useLocalDpi xmlns:a14="http://schemas.microsoft.com/office/drawing/2010/main" val="0"/>
+                <a14:useLocalDpi xmlns:a14="http://schemas.microsoft.com/office/drawing/2010/main" xmlns="" val="0"/>
               </a:ext>
             </a:extLst>
           </a:blip>
@@ -6059,7 +6061,7 @@
           <p:cNvPr id="18" name="슬라이드 번호 개체 틀 17">
             <a:extLst>
               <a:ext uri="{FF2B5EF4-FFF2-40B4-BE49-F238E27FC236}">
-                <a16:creationId xmlns:a16="http://schemas.microsoft.com/office/drawing/2014/main" id="{80E74BDD-2288-4955-BCED-8609EFDE5904}"/>
+                <a16:creationId xmlns:a16="http://schemas.microsoft.com/office/drawing/2014/main" xmlns="" id="{80E74BDD-2288-4955-BCED-8609EFDE5904}"/>
               </a:ext>
             </a:extLst>
           </p:cNvPr>
@@ -6089,7 +6091,7 @@
           <p:cNvPr id="10" name="그림 9">
             <a:extLst>
               <a:ext uri="{FF2B5EF4-FFF2-40B4-BE49-F238E27FC236}">
-                <a16:creationId xmlns:a16="http://schemas.microsoft.com/office/drawing/2014/main" id="{14FB4B6E-19D4-4D7F-80EB-3AB66ECB3D5A}"/>
+                <a16:creationId xmlns:a16="http://schemas.microsoft.com/office/drawing/2014/main" xmlns="" id="{14FB4B6E-19D4-4D7F-80EB-3AB66ECB3D5A}"/>
               </a:ext>
             </a:extLst>
           </p:cNvPr>
@@ -6099,7 +6101,7 @@
           <p:nvPr/>
         </p:nvPicPr>
         <p:blipFill>
-          <a:blip r:embed="rId4"/>
+          <a:blip r:embed="rId4" cstate="print"/>
           <a:stretch>
             <a:fillRect/>
           </a:stretch>
@@ -6119,7 +6121,7 @@
           <p:cNvPr id="11" name="TextBox 10">
             <a:extLst>
               <a:ext uri="{FF2B5EF4-FFF2-40B4-BE49-F238E27FC236}">
-                <a16:creationId xmlns:a16="http://schemas.microsoft.com/office/drawing/2014/main" id="{14D4F745-AAB5-4549-8067-4C3D915CCA21}"/>
+                <a16:creationId xmlns:a16="http://schemas.microsoft.com/office/drawing/2014/main" xmlns="" id="{14D4F745-AAB5-4549-8067-4C3D915CCA21}"/>
               </a:ext>
             </a:extLst>
           </p:cNvPr>
@@ -6171,7 +6173,7 @@
     </p:spTree>
     <p:extLst>
       <p:ext uri="{BB962C8B-B14F-4D97-AF65-F5344CB8AC3E}">
-        <p14:creationId xmlns:p14="http://schemas.microsoft.com/office/powerpoint/2010/main" val="1402853490"/>
+        <p14:creationId xmlns:p14="http://schemas.microsoft.com/office/powerpoint/2010/main" xmlns="" val="1402853490"/>
       </p:ext>
     </p:extLst>
   </p:cSld>
@@ -6483,7 +6485,7 @@
           <p:cNvPr id="4" name="TextBox 3">
             <a:extLst>
               <a:ext uri="{FF2B5EF4-FFF2-40B4-BE49-F238E27FC236}">
-                <a16:creationId xmlns:a16="http://schemas.microsoft.com/office/drawing/2014/main" id="{CCF5EA5B-3058-4CA0-B073-66733B1B2758}"/>
+                <a16:creationId xmlns:a16="http://schemas.microsoft.com/office/drawing/2014/main" xmlns="" id="{CCF5EA5B-3058-4CA0-B073-66733B1B2758}"/>
               </a:ext>
             </a:extLst>
           </p:cNvPr>
@@ -6612,7 +6614,7 @@
           <p:cNvPr id="18" name="슬라이드 번호 개체 틀 17">
             <a:extLst>
               <a:ext uri="{FF2B5EF4-FFF2-40B4-BE49-F238E27FC236}">
-                <a16:creationId xmlns:a16="http://schemas.microsoft.com/office/drawing/2014/main" id="{80E74BDD-2288-4955-BCED-8609EFDE5904}"/>
+                <a16:creationId xmlns:a16="http://schemas.microsoft.com/office/drawing/2014/main" xmlns="" id="{80E74BDD-2288-4955-BCED-8609EFDE5904}"/>
               </a:ext>
             </a:extLst>
           </p:cNvPr>
@@ -6642,7 +6644,7 @@
           <p:cNvPr id="11" name="TextBox 10">
             <a:extLst>
               <a:ext uri="{FF2B5EF4-FFF2-40B4-BE49-F238E27FC236}">
-                <a16:creationId xmlns:a16="http://schemas.microsoft.com/office/drawing/2014/main" id="{14D4F745-AAB5-4549-8067-4C3D915CCA21}"/>
+                <a16:creationId xmlns:a16="http://schemas.microsoft.com/office/drawing/2014/main" xmlns="" id="{14D4F745-AAB5-4549-8067-4C3D915CCA21}"/>
               </a:ext>
             </a:extLst>
           </p:cNvPr>
@@ -6710,7 +6712,7 @@
           <p:cNvPr id="12" name="Picture 4" descr="http://t1.kakaocdn.net/braincloud/homepage/article_image/f63e6ad5-645f-4953-9f55-34b7133b534a.png">
             <a:extLst>
               <a:ext uri="{FF2B5EF4-FFF2-40B4-BE49-F238E27FC236}">
-                <a16:creationId xmlns:a16="http://schemas.microsoft.com/office/drawing/2014/main" id="{2B6BB001-5729-4580-9E9D-177F5F47BC87}"/>
+                <a16:creationId xmlns:a16="http://schemas.microsoft.com/office/drawing/2014/main" xmlns="" id="{2B6BB001-5729-4580-9E9D-177F5F47BC87}"/>
               </a:ext>
             </a:extLst>
           </p:cNvPr>
@@ -6723,7 +6725,7 @@
           <a:blip r:embed="rId3" cstate="print">
             <a:extLst>
               <a:ext uri="{28A0092B-C50C-407E-A947-70E740481C1C}">
-                <a14:useLocalDpi xmlns:a14="http://schemas.microsoft.com/office/drawing/2010/main" val="0"/>
+                <a14:useLocalDpi xmlns:a14="http://schemas.microsoft.com/office/drawing/2010/main" xmlns="" val="0"/>
               </a:ext>
             </a:extLst>
           </a:blip>
@@ -6743,7 +6745,7 @@
           <a:noFill/>
           <a:extLst>
             <a:ext uri="{909E8E84-426E-40DD-AFC4-6F175D3DCCD1}">
-              <a14:hiddenFill xmlns:a14="http://schemas.microsoft.com/office/drawing/2010/main">
+              <a14:hiddenFill xmlns:a14="http://schemas.microsoft.com/office/drawing/2010/main" xmlns="">
                 <a:solidFill>
                   <a:srgbClr val="FFFFFF"/>
                 </a:solidFill>
@@ -6757,7 +6759,7 @@
           <p:cNvPr id="14" name="TextBox 13">
             <a:extLst>
               <a:ext uri="{FF2B5EF4-FFF2-40B4-BE49-F238E27FC236}">
-                <a16:creationId xmlns:a16="http://schemas.microsoft.com/office/drawing/2014/main" id="{92C23A65-C5D6-4787-A778-700234A438D5}"/>
+                <a16:creationId xmlns:a16="http://schemas.microsoft.com/office/drawing/2014/main" xmlns="" id="{92C23A65-C5D6-4787-A778-700234A438D5}"/>
               </a:ext>
             </a:extLst>
           </p:cNvPr>
@@ -6804,7 +6806,7 @@
     </p:spTree>
     <p:extLst>
       <p:ext uri="{BB962C8B-B14F-4D97-AF65-F5344CB8AC3E}">
-        <p14:creationId xmlns:p14="http://schemas.microsoft.com/office/powerpoint/2010/main" val="4104364781"/>
+        <p14:creationId xmlns:p14="http://schemas.microsoft.com/office/powerpoint/2010/main" xmlns="" val="4104364781"/>
       </p:ext>
     </p:extLst>
   </p:cSld>
@@ -7116,7 +7118,7 @@
           <p:cNvPr id="4" name="TextBox 3">
             <a:extLst>
               <a:ext uri="{FF2B5EF4-FFF2-40B4-BE49-F238E27FC236}">
-                <a16:creationId xmlns:a16="http://schemas.microsoft.com/office/drawing/2014/main" id="{CCF5EA5B-3058-4CA0-B073-66733B1B2758}"/>
+                <a16:creationId xmlns:a16="http://schemas.microsoft.com/office/drawing/2014/main" xmlns="" id="{CCF5EA5B-3058-4CA0-B073-66733B1B2758}"/>
               </a:ext>
             </a:extLst>
           </p:cNvPr>
@@ -7403,7 +7405,7 @@
           <p:cNvPr id="18" name="슬라이드 번호 개체 틀 17">
             <a:extLst>
               <a:ext uri="{FF2B5EF4-FFF2-40B4-BE49-F238E27FC236}">
-                <a16:creationId xmlns:a16="http://schemas.microsoft.com/office/drawing/2014/main" id="{80E74BDD-2288-4955-BCED-8609EFDE5904}"/>
+                <a16:creationId xmlns:a16="http://schemas.microsoft.com/office/drawing/2014/main" xmlns="" id="{80E74BDD-2288-4955-BCED-8609EFDE5904}"/>
               </a:ext>
             </a:extLst>
           </p:cNvPr>
@@ -7433,7 +7435,7 @@
           <p:cNvPr id="13" name="TextBox 12">
             <a:extLst>
               <a:ext uri="{FF2B5EF4-FFF2-40B4-BE49-F238E27FC236}">
-                <a16:creationId xmlns:a16="http://schemas.microsoft.com/office/drawing/2014/main" id="{C62C5AA2-8F84-4441-A505-9EBD43972229}"/>
+                <a16:creationId xmlns:a16="http://schemas.microsoft.com/office/drawing/2014/main" xmlns="" id="{C62C5AA2-8F84-4441-A505-9EBD43972229}"/>
               </a:ext>
             </a:extLst>
           </p:cNvPr>
@@ -7490,7 +7492,7 @@
           <p:cNvPr id="15" name="그림 14">
             <a:extLst>
               <a:ext uri="{FF2B5EF4-FFF2-40B4-BE49-F238E27FC236}">
-                <a16:creationId xmlns:a16="http://schemas.microsoft.com/office/drawing/2014/main" id="{E8D43C9C-6643-46A3-B3BA-E09B0F2178C2}"/>
+                <a16:creationId xmlns:a16="http://schemas.microsoft.com/office/drawing/2014/main" xmlns="" id="{E8D43C9C-6643-46A3-B3BA-E09B0F2178C2}"/>
               </a:ext>
             </a:extLst>
           </p:cNvPr>
@@ -7500,7 +7502,7 @@
           <p:nvPr/>
         </p:nvPicPr>
         <p:blipFill>
-          <a:blip r:embed="rId3"/>
+          <a:blip r:embed="rId3" cstate="print"/>
           <a:stretch>
             <a:fillRect/>
           </a:stretch>
@@ -7520,7 +7522,7 @@
           <p:cNvPr id="16" name="TextBox 15">
             <a:extLst>
               <a:ext uri="{FF2B5EF4-FFF2-40B4-BE49-F238E27FC236}">
-                <a16:creationId xmlns:a16="http://schemas.microsoft.com/office/drawing/2014/main" id="{F82FFD62-6E3E-42F6-9AC4-4B0A809C9CAB}"/>
+                <a16:creationId xmlns:a16="http://schemas.microsoft.com/office/drawing/2014/main" xmlns="" id="{F82FFD62-6E3E-42F6-9AC4-4B0A809C9CAB}"/>
               </a:ext>
             </a:extLst>
           </p:cNvPr>
@@ -7567,7 +7569,7 @@
     </p:spTree>
     <p:extLst>
       <p:ext uri="{BB962C8B-B14F-4D97-AF65-F5344CB8AC3E}">
-        <p14:creationId xmlns:p14="http://schemas.microsoft.com/office/powerpoint/2010/main" val="1948298035"/>
+        <p14:creationId xmlns:p14="http://schemas.microsoft.com/office/powerpoint/2010/main" xmlns="" val="1948298035"/>
       </p:ext>
     </p:extLst>
   </p:cSld>
@@ -7951,7 +7953,7 @@
           <p:cNvPr id="10" name="그림 9">
             <a:extLst>
               <a:ext uri="{FF2B5EF4-FFF2-40B4-BE49-F238E27FC236}">
-                <a16:creationId xmlns:a16="http://schemas.microsoft.com/office/drawing/2014/main" id="{FD2D1CC6-6C7E-4A42-AEE4-FA9DE60AC81D}"/>
+                <a16:creationId xmlns:a16="http://schemas.microsoft.com/office/drawing/2014/main" xmlns="" id="{FD2D1CC6-6C7E-4A42-AEE4-FA9DE60AC81D}"/>
               </a:ext>
             </a:extLst>
           </p:cNvPr>
@@ -7964,7 +7966,7 @@
           <a:blip r:embed="rId3" cstate="print">
             <a:extLst>
               <a:ext uri="{28A0092B-C50C-407E-A947-70E740481C1C}">
-                <a14:useLocalDpi xmlns:a14="http://schemas.microsoft.com/office/drawing/2010/main" val="0"/>
+                <a14:useLocalDpi xmlns:a14="http://schemas.microsoft.com/office/drawing/2010/main" xmlns="" val="0"/>
               </a:ext>
             </a:extLst>
           </a:blip>
@@ -7987,7 +7989,7 @@
           <p:cNvPr id="6" name="슬라이드 번호 개체 틀 5">
             <a:extLst>
               <a:ext uri="{FF2B5EF4-FFF2-40B4-BE49-F238E27FC236}">
-                <a16:creationId xmlns:a16="http://schemas.microsoft.com/office/drawing/2014/main" id="{6C1F68C3-167E-451C-8815-76D6C10B9C4C}"/>
+                <a16:creationId xmlns:a16="http://schemas.microsoft.com/office/drawing/2014/main" xmlns="" id="{6C1F68C3-167E-451C-8815-76D6C10B9C4C}"/>
               </a:ext>
             </a:extLst>
           </p:cNvPr>
@@ -8015,7 +8017,7 @@
     </p:spTree>
     <p:extLst>
       <p:ext uri="{BB962C8B-B14F-4D97-AF65-F5344CB8AC3E}">
-        <p14:creationId xmlns:p14="http://schemas.microsoft.com/office/powerpoint/2010/main" val="2869330736"/>
+        <p14:creationId xmlns:p14="http://schemas.microsoft.com/office/powerpoint/2010/main" xmlns="" val="2869330736"/>
       </p:ext>
     </p:extLst>
   </p:cSld>
@@ -8047,7 +8049,7 @@
           <p:cNvPr id="2" name="그룹 1">
             <a:extLst>
               <a:ext uri="{FF2B5EF4-FFF2-40B4-BE49-F238E27FC236}">
-                <a16:creationId xmlns:a16="http://schemas.microsoft.com/office/drawing/2014/main" id="{5257EF0A-2959-4F41-A0D7-5FED493DDF9F}"/>
+                <a16:creationId xmlns:a16="http://schemas.microsoft.com/office/drawing/2014/main" xmlns="" id="{5257EF0A-2959-4F41-A0D7-5FED493DDF9F}"/>
               </a:ext>
             </a:extLst>
           </p:cNvPr>
@@ -8067,7 +8069,7 @@
             <p:cNvPr id="9" name="TextBox 8">
               <a:extLst>
                 <a:ext uri="{FF2B5EF4-FFF2-40B4-BE49-F238E27FC236}">
-                  <a16:creationId xmlns:a16="http://schemas.microsoft.com/office/drawing/2014/main" id="{D3947105-6879-445D-B76B-D5EFC8256F29}"/>
+                  <a16:creationId xmlns:a16="http://schemas.microsoft.com/office/drawing/2014/main" xmlns="" id="{D3947105-6879-445D-B76B-D5EFC8256F29}"/>
                 </a:ext>
               </a:extLst>
             </p:cNvPr>
@@ -8142,7 +8144,7 @@
             <p:cNvPr id="14" name="TextBox 13">
               <a:extLst>
                 <a:ext uri="{FF2B5EF4-FFF2-40B4-BE49-F238E27FC236}">
-                  <a16:creationId xmlns:a16="http://schemas.microsoft.com/office/drawing/2014/main" id="{7A9521EC-3235-494C-93F6-585BC9C3B43E}"/>
+                  <a16:creationId xmlns:a16="http://schemas.microsoft.com/office/drawing/2014/main" xmlns="" id="{7A9521EC-3235-494C-93F6-585BC9C3B43E}"/>
                 </a:ext>
               </a:extLst>
             </p:cNvPr>
@@ -8188,7 +8190,7 @@
             <p:cNvPr id="25" name="그룹 24">
               <a:extLst>
                 <a:ext uri="{FF2B5EF4-FFF2-40B4-BE49-F238E27FC236}">
-                  <a16:creationId xmlns:a16="http://schemas.microsoft.com/office/drawing/2014/main" id="{1D2D99A6-C3A5-455C-8184-43DACE6D4904}"/>
+                  <a16:creationId xmlns:a16="http://schemas.microsoft.com/office/drawing/2014/main" xmlns="" id="{1D2D99A6-C3A5-455C-8184-43DACE6D4904}"/>
                 </a:ext>
               </a:extLst>
             </p:cNvPr>
@@ -8208,7 +8210,7 @@
               <p:cNvPr id="5" name="직선 연결선 4">
                 <a:extLst>
                   <a:ext uri="{FF2B5EF4-FFF2-40B4-BE49-F238E27FC236}">
-                    <a16:creationId xmlns:a16="http://schemas.microsoft.com/office/drawing/2014/main" id="{F3920279-48F9-42E9-8322-AE444CC499BF}"/>
+                    <a16:creationId xmlns:a16="http://schemas.microsoft.com/office/drawing/2014/main" xmlns="" id="{F3920279-48F9-42E9-8322-AE444CC499BF}"/>
                   </a:ext>
                 </a:extLst>
               </p:cNvPr>
@@ -8257,7 +8259,7 @@
               <p:cNvPr id="7" name="직사각형 6">
                 <a:extLst>
                   <a:ext uri="{FF2B5EF4-FFF2-40B4-BE49-F238E27FC236}">
-                    <a16:creationId xmlns:a16="http://schemas.microsoft.com/office/drawing/2014/main" id="{54FF5575-BD81-49D6-BF4F-81749C4C22BA}"/>
+                    <a16:creationId xmlns:a16="http://schemas.microsoft.com/office/drawing/2014/main" xmlns="" id="{54FF5575-BD81-49D6-BF4F-81749C4C22BA}"/>
                   </a:ext>
                 </a:extLst>
               </p:cNvPr>
@@ -8316,7 +8318,7 @@
           <p:cNvPr id="11" name="그림 10">
             <a:extLst>
               <a:ext uri="{FF2B5EF4-FFF2-40B4-BE49-F238E27FC236}">
-                <a16:creationId xmlns:a16="http://schemas.microsoft.com/office/drawing/2014/main" id="{63FA9DA7-248E-41A7-8482-CB899B3407EF}"/>
+                <a16:creationId xmlns:a16="http://schemas.microsoft.com/office/drawing/2014/main" xmlns="" id="{63FA9DA7-248E-41A7-8482-CB899B3407EF}"/>
               </a:ext>
             </a:extLst>
           </p:cNvPr>
@@ -8329,7 +8331,7 @@
           <a:blip r:embed="rId3" cstate="print">
             <a:extLst>
               <a:ext uri="{28A0092B-C50C-407E-A947-70E740481C1C}">
-                <a14:useLocalDpi xmlns:a14="http://schemas.microsoft.com/office/drawing/2010/main" val="0"/>
+                <a14:useLocalDpi xmlns:a14="http://schemas.microsoft.com/office/drawing/2010/main" xmlns="" val="0"/>
               </a:ext>
             </a:extLst>
           </a:blip>
@@ -8352,7 +8354,7 @@
           <p:cNvPr id="4" name="슬라이드 번호 개체 틀 3">
             <a:extLst>
               <a:ext uri="{FF2B5EF4-FFF2-40B4-BE49-F238E27FC236}">
-                <a16:creationId xmlns:a16="http://schemas.microsoft.com/office/drawing/2014/main" id="{FB59B2E2-F81E-40F9-BBEB-890FC880B656}"/>
+                <a16:creationId xmlns:a16="http://schemas.microsoft.com/office/drawing/2014/main" xmlns="" id="{FB59B2E2-F81E-40F9-BBEB-890FC880B656}"/>
               </a:ext>
             </a:extLst>
           </p:cNvPr>
@@ -8380,7 +8382,7 @@
     </p:spTree>
     <p:extLst>
       <p:ext uri="{BB962C8B-B14F-4D97-AF65-F5344CB8AC3E}">
-        <p14:creationId xmlns:p14="http://schemas.microsoft.com/office/powerpoint/2010/main" val="3863683102"/>
+        <p14:creationId xmlns:p14="http://schemas.microsoft.com/office/powerpoint/2010/main" xmlns="" val="3863683102"/>
       </p:ext>
     </p:extLst>
   </p:cSld>
@@ -8499,7 +8501,7 @@
           <p:cNvPr id="13" name="그림 12">
             <a:extLst>
               <a:ext uri="{FF2B5EF4-FFF2-40B4-BE49-F238E27FC236}">
-                <a16:creationId xmlns:a16="http://schemas.microsoft.com/office/drawing/2014/main" id="{8E687D0E-D682-4D3D-91FF-764C2693AA77}"/>
+                <a16:creationId xmlns:a16="http://schemas.microsoft.com/office/drawing/2014/main" xmlns="" id="{8E687D0E-D682-4D3D-91FF-764C2693AA77}"/>
               </a:ext>
             </a:extLst>
           </p:cNvPr>
@@ -8512,7 +8514,7 @@
           <a:blip r:embed="rId3" cstate="print">
             <a:extLst>
               <a:ext uri="{28A0092B-C50C-407E-A947-70E740481C1C}">
-                <a14:useLocalDpi xmlns:a14="http://schemas.microsoft.com/office/drawing/2010/main" val="0"/>
+                <a14:useLocalDpi xmlns:a14="http://schemas.microsoft.com/office/drawing/2010/main" xmlns="" val="0"/>
               </a:ext>
             </a:extLst>
           </a:blip>
@@ -8535,7 +8537,7 @@
           <p:cNvPr id="18" name="슬라이드 번호 개체 틀 17">
             <a:extLst>
               <a:ext uri="{FF2B5EF4-FFF2-40B4-BE49-F238E27FC236}">
-                <a16:creationId xmlns:a16="http://schemas.microsoft.com/office/drawing/2014/main" id="{80E74BDD-2288-4955-BCED-8609EFDE5904}"/>
+                <a16:creationId xmlns:a16="http://schemas.microsoft.com/office/drawing/2014/main" xmlns="" id="{80E74BDD-2288-4955-BCED-8609EFDE5904}"/>
               </a:ext>
             </a:extLst>
           </p:cNvPr>
@@ -8565,7 +8567,7 @@
           <p:cNvPr id="10" name="내용 개체 틀 2">
             <a:extLst>
               <a:ext uri="{FF2B5EF4-FFF2-40B4-BE49-F238E27FC236}">
-                <a16:creationId xmlns:a16="http://schemas.microsoft.com/office/drawing/2014/main" id="{13D30B6A-3884-4EF5-8CB1-6EEB784CF809}"/>
+                <a16:creationId xmlns:a16="http://schemas.microsoft.com/office/drawing/2014/main" xmlns="" id="{13D30B6A-3884-4EF5-8CB1-6EEB784CF809}"/>
               </a:ext>
             </a:extLst>
           </p:cNvPr>
@@ -8764,7 +8766,7 @@
           <p:cNvPr id="11" name="Picture 2" descr="C:\Users\user\Desktop\aef.JPG">
             <a:extLst>
               <a:ext uri="{FF2B5EF4-FFF2-40B4-BE49-F238E27FC236}">
-                <a16:creationId xmlns:a16="http://schemas.microsoft.com/office/drawing/2014/main" id="{31456D68-EF3A-4659-A369-47CD75521183}"/>
+                <a16:creationId xmlns:a16="http://schemas.microsoft.com/office/drawing/2014/main" xmlns="" id="{31456D68-EF3A-4659-A369-47CD75521183}"/>
               </a:ext>
             </a:extLst>
           </p:cNvPr>
@@ -8796,7 +8798,7 @@
           <p:cNvPr id="12" name="TextBox 11">
             <a:extLst>
               <a:ext uri="{FF2B5EF4-FFF2-40B4-BE49-F238E27FC236}">
-                <a16:creationId xmlns:a16="http://schemas.microsoft.com/office/drawing/2014/main" id="{784A5B55-1E54-4A89-A214-B139023F3E99}"/>
+                <a16:creationId xmlns:a16="http://schemas.microsoft.com/office/drawing/2014/main" xmlns="" id="{784A5B55-1E54-4A89-A214-B139023F3E99}"/>
               </a:ext>
             </a:extLst>
           </p:cNvPr>
@@ -8902,7 +8904,7 @@
     </p:spTree>
     <p:extLst>
       <p:ext uri="{BB962C8B-B14F-4D97-AF65-F5344CB8AC3E}">
-        <p14:creationId xmlns:p14="http://schemas.microsoft.com/office/powerpoint/2010/main" val="2566094166"/>
+        <p14:creationId xmlns:p14="http://schemas.microsoft.com/office/powerpoint/2010/main" xmlns="" val="2566094166"/>
       </p:ext>
     </p:extLst>
   </p:cSld>
@@ -9021,7 +9023,7 @@
           <p:cNvPr id="13" name="그림 12">
             <a:extLst>
               <a:ext uri="{FF2B5EF4-FFF2-40B4-BE49-F238E27FC236}">
-                <a16:creationId xmlns:a16="http://schemas.microsoft.com/office/drawing/2014/main" id="{8E687D0E-D682-4D3D-91FF-764C2693AA77}"/>
+                <a16:creationId xmlns:a16="http://schemas.microsoft.com/office/drawing/2014/main" xmlns="" id="{8E687D0E-D682-4D3D-91FF-764C2693AA77}"/>
               </a:ext>
             </a:extLst>
           </p:cNvPr>
@@ -9034,7 +9036,7 @@
           <a:blip r:embed="rId3" cstate="print">
             <a:extLst>
               <a:ext uri="{28A0092B-C50C-407E-A947-70E740481C1C}">
-                <a14:useLocalDpi xmlns:a14="http://schemas.microsoft.com/office/drawing/2010/main" val="0"/>
+                <a14:useLocalDpi xmlns:a14="http://schemas.microsoft.com/office/drawing/2010/main" xmlns="" val="0"/>
               </a:ext>
             </a:extLst>
           </a:blip>
@@ -9057,7 +9059,7 @@
           <p:cNvPr id="18" name="슬라이드 번호 개체 틀 17">
             <a:extLst>
               <a:ext uri="{FF2B5EF4-FFF2-40B4-BE49-F238E27FC236}">
-                <a16:creationId xmlns:a16="http://schemas.microsoft.com/office/drawing/2014/main" id="{80E74BDD-2288-4955-BCED-8609EFDE5904}"/>
+                <a16:creationId xmlns:a16="http://schemas.microsoft.com/office/drawing/2014/main" xmlns="" id="{80E74BDD-2288-4955-BCED-8609EFDE5904}"/>
               </a:ext>
             </a:extLst>
           </p:cNvPr>
@@ -9087,7 +9089,7 @@
           <p:cNvPr id="10" name="내용 개체 틀 2">
             <a:extLst>
               <a:ext uri="{FF2B5EF4-FFF2-40B4-BE49-F238E27FC236}">
-                <a16:creationId xmlns:a16="http://schemas.microsoft.com/office/drawing/2014/main" id="{13D30B6A-3884-4EF5-8CB1-6EEB784CF809}"/>
+                <a16:creationId xmlns:a16="http://schemas.microsoft.com/office/drawing/2014/main" xmlns="" id="{13D30B6A-3884-4EF5-8CB1-6EEB784CF809}"/>
               </a:ext>
             </a:extLst>
           </p:cNvPr>
@@ -9286,7 +9288,7 @@
           <p:cNvPr id="12" name="TextBox 11">
             <a:extLst>
               <a:ext uri="{FF2B5EF4-FFF2-40B4-BE49-F238E27FC236}">
-                <a16:creationId xmlns:a16="http://schemas.microsoft.com/office/drawing/2014/main" id="{784A5B55-1E54-4A89-A214-B139023F3E99}"/>
+                <a16:creationId xmlns:a16="http://schemas.microsoft.com/office/drawing/2014/main" xmlns="" id="{784A5B55-1E54-4A89-A214-B139023F3E99}"/>
               </a:ext>
             </a:extLst>
           </p:cNvPr>
@@ -9597,36 +9599,44 @@
               <a:t>이를 위해 </a:t>
             </a:r>
             <a:r>
+              <a:rPr lang="en-US" altLang="ko-KR" sz="1600" dirty="0" err="1" smtClean="0">
+                <a:latin typeface="210 옴니고딕 030" panose="02020603020101020101" pitchFamily="18" charset="-127"/>
+                <a:ea typeface="210 옴니고딕 030" panose="02020603020101020101" pitchFamily="18" charset="-127"/>
+                <a:sym typeface="Wingdings" panose="05000000000000000000" pitchFamily="2" charset="2"/>
+              </a:rPr>
+              <a:t>Tensorflow</a:t>
+            </a:r>
+            <a:r>
+              <a:rPr lang="en-US" altLang="ko-KR" sz="1600" dirty="0">
+                <a:latin typeface="210 옴니고딕 030" panose="02020603020101020101" pitchFamily="18" charset="-127"/>
+                <a:ea typeface="210 옴니고딕 030" panose="02020603020101020101" pitchFamily="18" charset="-127"/>
+                <a:sym typeface="Wingdings" panose="05000000000000000000" pitchFamily="2" charset="2"/>
+              </a:rPr>
+              <a:t>, </a:t>
+            </a:r>
+            <a:r>
               <a:rPr lang="en-US" altLang="ko-KR" sz="1600" dirty="0" err="1">
                 <a:latin typeface="210 옴니고딕 030" panose="02020603020101020101" pitchFamily="18" charset="-127"/>
                 <a:ea typeface="210 옴니고딕 030" panose="02020603020101020101" pitchFamily="18" charset="-127"/>
                 <a:sym typeface="Wingdings" panose="05000000000000000000" pitchFamily="2" charset="2"/>
               </a:rPr>
-              <a:t>Tensorflow</a:t>
-            </a:r>
-            <a:r>
-              <a:rPr lang="en-US" altLang="ko-KR" sz="1600" dirty="0">
+              <a:t>Keras</a:t>
+            </a:r>
+            <a:r>
+              <a:rPr lang="ko-KR" altLang="en-US" sz="1600" dirty="0">
                 <a:latin typeface="210 옴니고딕 030" panose="02020603020101020101" pitchFamily="18" charset="-127"/>
                 <a:ea typeface="210 옴니고딕 030" panose="02020603020101020101" pitchFamily="18" charset="-127"/>
                 <a:sym typeface="Wingdings" panose="05000000000000000000" pitchFamily="2" charset="2"/>
               </a:rPr>
-              <a:t>, </a:t>
-            </a:r>
-            <a:r>
-              <a:rPr lang="en-US" altLang="ko-KR" sz="1600" dirty="0" err="1">
+              <a:t>의 버전을 </a:t>
+            </a:r>
+            <a:r>
+              <a:rPr lang="ko-KR" altLang="en-US" sz="1600" dirty="0" smtClean="0">
                 <a:latin typeface="210 옴니고딕 030" panose="02020603020101020101" pitchFamily="18" charset="-127"/>
                 <a:ea typeface="210 옴니고딕 030" panose="02020603020101020101" pitchFamily="18" charset="-127"/>
                 <a:sym typeface="Wingdings" panose="05000000000000000000" pitchFamily="2" charset="2"/>
               </a:rPr>
-              <a:t>Keras</a:t>
-            </a:r>
-            <a:r>
-              <a:rPr lang="ko-KR" altLang="en-US" sz="1600" dirty="0">
-                <a:latin typeface="210 옴니고딕 030" panose="02020603020101020101" pitchFamily="18" charset="-127"/>
-                <a:ea typeface="210 옴니고딕 030" panose="02020603020101020101" pitchFamily="18" charset="-127"/>
-                <a:sym typeface="Wingdings" panose="05000000000000000000" pitchFamily="2" charset="2"/>
-              </a:rPr>
-              <a:t>의 버전을 업그레이드시</a:t>
+              <a:t>업그레이드시</a:t>
             </a:r>
             <a:r>
               <a:rPr lang="en-US" altLang="ko-KR" sz="1600" dirty="0">
@@ -9670,7 +9680,7 @@
     </p:spTree>
     <p:extLst>
       <p:ext uri="{BB962C8B-B14F-4D97-AF65-F5344CB8AC3E}">
-        <p14:creationId xmlns:p14="http://schemas.microsoft.com/office/powerpoint/2010/main" val="226848037"/>
+        <p14:creationId xmlns:p14="http://schemas.microsoft.com/office/powerpoint/2010/main" xmlns="" val="226848037"/>
       </p:ext>
     </p:extLst>
   </p:cSld>
@@ -9789,7 +9799,7 @@
           <p:cNvPr id="18" name="슬라이드 번호 개체 틀 17">
             <a:extLst>
               <a:ext uri="{FF2B5EF4-FFF2-40B4-BE49-F238E27FC236}">
-                <a16:creationId xmlns:a16="http://schemas.microsoft.com/office/drawing/2014/main" id="{80E74BDD-2288-4955-BCED-8609EFDE5904}"/>
+                <a16:creationId xmlns:a16="http://schemas.microsoft.com/office/drawing/2014/main" xmlns="" id="{80E74BDD-2288-4955-BCED-8609EFDE5904}"/>
               </a:ext>
             </a:extLst>
           </p:cNvPr>
@@ -9819,7 +9829,7 @@
           <p:cNvPr id="10" name="내용 개체 틀 2">
             <a:extLst>
               <a:ext uri="{FF2B5EF4-FFF2-40B4-BE49-F238E27FC236}">
-                <a16:creationId xmlns:a16="http://schemas.microsoft.com/office/drawing/2014/main" id="{13D30B6A-3884-4EF5-8CB1-6EEB784CF809}"/>
+                <a16:creationId xmlns:a16="http://schemas.microsoft.com/office/drawing/2014/main" xmlns="" id="{13D30B6A-3884-4EF5-8CB1-6EEB784CF809}"/>
               </a:ext>
             </a:extLst>
           </p:cNvPr>
@@ -10018,7 +10028,7 @@
           <p:cNvPr id="8" name="Picture 2" descr="C:\Users\user\Desktop\2021년 1월 15일\camerains.JPG">
             <a:extLst>
               <a:ext uri="{FF2B5EF4-FFF2-40B4-BE49-F238E27FC236}">
-                <a16:creationId xmlns:a16="http://schemas.microsoft.com/office/drawing/2014/main" id="{C25CDD40-CF59-4709-BFEA-08BAD988AEEE}"/>
+                <a16:creationId xmlns:a16="http://schemas.microsoft.com/office/drawing/2014/main" xmlns="" id="{C25CDD40-CF59-4709-BFEA-08BAD988AEEE}"/>
               </a:ext>
             </a:extLst>
           </p:cNvPr>
@@ -10050,7 +10060,7 @@
           <p:cNvPr id="9" name="Picture 4" descr="C:\Users\user\Desktop\hachsf.JPG">
             <a:extLst>
               <a:ext uri="{FF2B5EF4-FFF2-40B4-BE49-F238E27FC236}">
-                <a16:creationId xmlns:a16="http://schemas.microsoft.com/office/drawing/2014/main" id="{F7341E7F-34E1-46BB-8396-BB77554B8D96}"/>
+                <a16:creationId xmlns:a16="http://schemas.microsoft.com/office/drawing/2014/main" xmlns="" id="{F7341E7F-34E1-46BB-8396-BB77554B8D96}"/>
               </a:ext>
             </a:extLst>
           </p:cNvPr>
@@ -10088,7 +10098,7 @@
           <p:cNvPr id="11" name="Picture 2" descr="C:\Users\user\Desktop\fresut.JPG">
             <a:extLst>
               <a:ext uri="{FF2B5EF4-FFF2-40B4-BE49-F238E27FC236}">
-                <a16:creationId xmlns:a16="http://schemas.microsoft.com/office/drawing/2014/main" id="{1931A551-5AED-4731-AB53-F948B7DA11E7}"/>
+                <a16:creationId xmlns:a16="http://schemas.microsoft.com/office/drawing/2014/main" xmlns="" id="{1931A551-5AED-4731-AB53-F948B7DA11E7}"/>
               </a:ext>
             </a:extLst>
           </p:cNvPr>
@@ -10126,7 +10136,7 @@
           <p:cNvPr id="14" name="TextBox 13">
             <a:extLst>
               <a:ext uri="{FF2B5EF4-FFF2-40B4-BE49-F238E27FC236}">
-                <a16:creationId xmlns:a16="http://schemas.microsoft.com/office/drawing/2014/main" id="{5BA2A6C0-67CF-4E68-8205-4A7F028F1AE1}"/>
+                <a16:creationId xmlns:a16="http://schemas.microsoft.com/office/drawing/2014/main" xmlns="" id="{5BA2A6C0-67CF-4E68-8205-4A7F028F1AE1}"/>
               </a:ext>
             </a:extLst>
           </p:cNvPr>
@@ -10197,7 +10207,7 @@
           <p:cNvPr id="2" name="화살표: 오른쪽 1">
             <a:extLst>
               <a:ext uri="{FF2B5EF4-FFF2-40B4-BE49-F238E27FC236}">
-                <a16:creationId xmlns:a16="http://schemas.microsoft.com/office/drawing/2014/main" id="{0152A068-E3DD-4AF2-B5DA-EA916CD9AB4E}"/>
+                <a16:creationId xmlns:a16="http://schemas.microsoft.com/office/drawing/2014/main" xmlns="" id="{0152A068-E3DD-4AF2-B5DA-EA916CD9AB4E}"/>
               </a:ext>
             </a:extLst>
           </p:cNvPr>
@@ -10241,7 +10251,7 @@
     </p:spTree>
     <p:extLst>
       <p:ext uri="{BB962C8B-B14F-4D97-AF65-F5344CB8AC3E}">
-        <p14:creationId xmlns:p14="http://schemas.microsoft.com/office/powerpoint/2010/main" val="3072373412"/>
+        <p14:creationId xmlns:p14="http://schemas.microsoft.com/office/powerpoint/2010/main" xmlns="" val="3072373412"/>
       </p:ext>
     </p:extLst>
   </p:cSld>
@@ -10360,7 +10370,7 @@
           <p:cNvPr id="18" name="슬라이드 번호 개체 틀 17">
             <a:extLst>
               <a:ext uri="{FF2B5EF4-FFF2-40B4-BE49-F238E27FC236}">
-                <a16:creationId xmlns:a16="http://schemas.microsoft.com/office/drawing/2014/main" id="{80E74BDD-2288-4955-BCED-8609EFDE5904}"/>
+                <a16:creationId xmlns:a16="http://schemas.microsoft.com/office/drawing/2014/main" xmlns="" id="{80E74BDD-2288-4955-BCED-8609EFDE5904}"/>
               </a:ext>
             </a:extLst>
           </p:cNvPr>
@@ -10390,7 +10400,7 @@
           <p:cNvPr id="10" name="내용 개체 틀 2">
             <a:extLst>
               <a:ext uri="{FF2B5EF4-FFF2-40B4-BE49-F238E27FC236}">
-                <a16:creationId xmlns:a16="http://schemas.microsoft.com/office/drawing/2014/main" id="{13D30B6A-3884-4EF5-8CB1-6EEB784CF809}"/>
+                <a16:creationId xmlns:a16="http://schemas.microsoft.com/office/drawing/2014/main" xmlns="" id="{13D30B6A-3884-4EF5-8CB1-6EEB784CF809}"/>
               </a:ext>
             </a:extLst>
           </p:cNvPr>
@@ -10579,7 +10589,7 @@
           <p:cNvPr id="12" name="그룹 11">
             <a:extLst>
               <a:ext uri="{FF2B5EF4-FFF2-40B4-BE49-F238E27FC236}">
-                <a16:creationId xmlns:a16="http://schemas.microsoft.com/office/drawing/2014/main" id="{633FC27B-55CE-4CAF-90E6-C6DEBF5D0024}"/>
+                <a16:creationId xmlns:a16="http://schemas.microsoft.com/office/drawing/2014/main" xmlns="" id="{633FC27B-55CE-4CAF-90E6-C6DEBF5D0024}"/>
               </a:ext>
             </a:extLst>
           </p:cNvPr>
@@ -10599,7 +10609,7 @@
             <p:cNvPr id="13" name="Picture 2" descr="C:\Users\user\Desktop\sye.JPG">
               <a:extLst>
                 <a:ext uri="{FF2B5EF4-FFF2-40B4-BE49-F238E27FC236}">
-                  <a16:creationId xmlns:a16="http://schemas.microsoft.com/office/drawing/2014/main" id="{6ACEDD86-1799-449C-927C-A19DB85B4A99}"/>
+                  <a16:creationId xmlns:a16="http://schemas.microsoft.com/office/drawing/2014/main" xmlns="" id="{6ACEDD86-1799-449C-927C-A19DB85B4A99}"/>
                 </a:ext>
               </a:extLst>
             </p:cNvPr>
@@ -10631,7 +10641,7 @@
             <p:cNvPr id="15" name="Picture 4" descr="C:\Users\user\Desktop\poasfsx.JPG">
               <a:extLst>
                 <a:ext uri="{FF2B5EF4-FFF2-40B4-BE49-F238E27FC236}">
-                  <a16:creationId xmlns:a16="http://schemas.microsoft.com/office/drawing/2014/main" id="{49BF104D-BEBE-44F0-BAA3-44BC52A2B89E}"/>
+                  <a16:creationId xmlns:a16="http://schemas.microsoft.com/office/drawing/2014/main" xmlns="" id="{49BF104D-BEBE-44F0-BAA3-44BC52A2B89E}"/>
                 </a:ext>
               </a:extLst>
             </p:cNvPr>
@@ -10663,7 +10673,7 @@
             <p:cNvPr id="16" name="Picture 4" descr="C:\Users\user\Desktop\wfe.JPG">
               <a:extLst>
                 <a:ext uri="{FF2B5EF4-FFF2-40B4-BE49-F238E27FC236}">
-                  <a16:creationId xmlns:a16="http://schemas.microsoft.com/office/drawing/2014/main" id="{E3491155-6EEA-40A4-9DA5-1D2FA4F81E4E}"/>
+                  <a16:creationId xmlns:a16="http://schemas.microsoft.com/office/drawing/2014/main" xmlns="" id="{E3491155-6EEA-40A4-9DA5-1D2FA4F81E4E}"/>
                 </a:ext>
               </a:extLst>
             </p:cNvPr>
@@ -10695,7 +10705,7 @@
             <p:cNvPr id="17" name="Picture 5" descr="C:\Users\user\Desktop\aef.JPG">
               <a:extLst>
                 <a:ext uri="{FF2B5EF4-FFF2-40B4-BE49-F238E27FC236}">
-                  <a16:creationId xmlns:a16="http://schemas.microsoft.com/office/drawing/2014/main" id="{90574396-5119-4DD4-AFBA-520BA443E26F}"/>
+                  <a16:creationId xmlns:a16="http://schemas.microsoft.com/office/drawing/2014/main" xmlns="" id="{90574396-5119-4DD4-AFBA-520BA443E26F}"/>
                 </a:ext>
               </a:extLst>
             </p:cNvPr>
@@ -10728,7 +10738,7 @@
           <p:cNvPr id="19" name="TextBox 18">
             <a:extLst>
               <a:ext uri="{FF2B5EF4-FFF2-40B4-BE49-F238E27FC236}">
-                <a16:creationId xmlns:a16="http://schemas.microsoft.com/office/drawing/2014/main" id="{537706FA-E535-4FB1-97A7-472D8214ADB9}"/>
+                <a16:creationId xmlns:a16="http://schemas.microsoft.com/office/drawing/2014/main" xmlns="" id="{537706FA-E535-4FB1-97A7-472D8214ADB9}"/>
               </a:ext>
             </a:extLst>
           </p:cNvPr>
@@ -10966,7 +10976,7 @@
     </p:spTree>
     <p:extLst>
       <p:ext uri="{BB962C8B-B14F-4D97-AF65-F5344CB8AC3E}">
-        <p14:creationId xmlns:p14="http://schemas.microsoft.com/office/powerpoint/2010/main" val="3313906676"/>
+        <p14:creationId xmlns:p14="http://schemas.microsoft.com/office/powerpoint/2010/main" xmlns="" val="3313906676"/>
       </p:ext>
     </p:extLst>
   </p:cSld>
@@ -10998,7 +11008,7 @@
           <p:cNvPr id="2" name="그룹 1">
             <a:extLst>
               <a:ext uri="{FF2B5EF4-FFF2-40B4-BE49-F238E27FC236}">
-                <a16:creationId xmlns:a16="http://schemas.microsoft.com/office/drawing/2014/main" id="{5257EF0A-2959-4F41-A0D7-5FED493DDF9F}"/>
+                <a16:creationId xmlns:a16="http://schemas.microsoft.com/office/drawing/2014/main" xmlns="" id="{5257EF0A-2959-4F41-A0D7-5FED493DDF9F}"/>
               </a:ext>
             </a:extLst>
           </p:cNvPr>
@@ -11018,7 +11028,7 @@
             <p:cNvPr id="9" name="TextBox 8">
               <a:extLst>
                 <a:ext uri="{FF2B5EF4-FFF2-40B4-BE49-F238E27FC236}">
-                  <a16:creationId xmlns:a16="http://schemas.microsoft.com/office/drawing/2014/main" id="{D3947105-6879-445D-B76B-D5EFC8256F29}"/>
+                  <a16:creationId xmlns:a16="http://schemas.microsoft.com/office/drawing/2014/main" xmlns="" id="{D3947105-6879-445D-B76B-D5EFC8256F29}"/>
                 </a:ext>
               </a:extLst>
             </p:cNvPr>
@@ -11079,7 +11089,7 @@
             <p:cNvPr id="14" name="TextBox 13">
               <a:extLst>
                 <a:ext uri="{FF2B5EF4-FFF2-40B4-BE49-F238E27FC236}">
-                  <a16:creationId xmlns:a16="http://schemas.microsoft.com/office/drawing/2014/main" id="{7A9521EC-3235-494C-93F6-585BC9C3B43E}"/>
+                  <a16:creationId xmlns:a16="http://schemas.microsoft.com/office/drawing/2014/main" xmlns="" id="{7A9521EC-3235-494C-93F6-585BC9C3B43E}"/>
                 </a:ext>
               </a:extLst>
             </p:cNvPr>
@@ -11125,7 +11135,7 @@
             <p:cNvPr id="25" name="그룹 24">
               <a:extLst>
                 <a:ext uri="{FF2B5EF4-FFF2-40B4-BE49-F238E27FC236}">
-                  <a16:creationId xmlns:a16="http://schemas.microsoft.com/office/drawing/2014/main" id="{1D2D99A6-C3A5-455C-8184-43DACE6D4904}"/>
+                  <a16:creationId xmlns:a16="http://schemas.microsoft.com/office/drawing/2014/main" xmlns="" id="{1D2D99A6-C3A5-455C-8184-43DACE6D4904}"/>
                 </a:ext>
               </a:extLst>
             </p:cNvPr>
@@ -11145,7 +11155,7 @@
               <p:cNvPr id="5" name="직선 연결선 4">
                 <a:extLst>
                   <a:ext uri="{FF2B5EF4-FFF2-40B4-BE49-F238E27FC236}">
-                    <a16:creationId xmlns:a16="http://schemas.microsoft.com/office/drawing/2014/main" id="{F3920279-48F9-42E9-8322-AE444CC499BF}"/>
+                    <a16:creationId xmlns:a16="http://schemas.microsoft.com/office/drawing/2014/main" xmlns="" id="{F3920279-48F9-42E9-8322-AE444CC499BF}"/>
                   </a:ext>
                 </a:extLst>
               </p:cNvPr>
@@ -11194,7 +11204,7 @@
               <p:cNvPr id="7" name="직사각형 6">
                 <a:extLst>
                   <a:ext uri="{FF2B5EF4-FFF2-40B4-BE49-F238E27FC236}">
-                    <a16:creationId xmlns:a16="http://schemas.microsoft.com/office/drawing/2014/main" id="{54FF5575-BD81-49D6-BF4F-81749C4C22BA}"/>
+                    <a16:creationId xmlns:a16="http://schemas.microsoft.com/office/drawing/2014/main" xmlns="" id="{54FF5575-BD81-49D6-BF4F-81749C4C22BA}"/>
                   </a:ext>
                 </a:extLst>
               </p:cNvPr>
@@ -11253,7 +11263,7 @@
           <p:cNvPr id="11" name="그림 10">
             <a:extLst>
               <a:ext uri="{FF2B5EF4-FFF2-40B4-BE49-F238E27FC236}">
-                <a16:creationId xmlns:a16="http://schemas.microsoft.com/office/drawing/2014/main" id="{63FA9DA7-248E-41A7-8482-CB899B3407EF}"/>
+                <a16:creationId xmlns:a16="http://schemas.microsoft.com/office/drawing/2014/main" xmlns="" id="{63FA9DA7-248E-41A7-8482-CB899B3407EF}"/>
               </a:ext>
             </a:extLst>
           </p:cNvPr>
@@ -11266,7 +11276,7 @@
           <a:blip r:embed="rId3" cstate="print">
             <a:extLst>
               <a:ext uri="{28A0092B-C50C-407E-A947-70E740481C1C}">
-                <a14:useLocalDpi xmlns:a14="http://schemas.microsoft.com/office/drawing/2010/main" val="0"/>
+                <a14:useLocalDpi xmlns:a14="http://schemas.microsoft.com/office/drawing/2010/main" xmlns="" val="0"/>
               </a:ext>
             </a:extLst>
           </a:blip>
@@ -11289,7 +11299,7 @@
           <p:cNvPr id="4" name="슬라이드 번호 개체 틀 3">
             <a:extLst>
               <a:ext uri="{FF2B5EF4-FFF2-40B4-BE49-F238E27FC236}">
-                <a16:creationId xmlns:a16="http://schemas.microsoft.com/office/drawing/2014/main" id="{FB59B2E2-F81E-40F9-BBEB-890FC880B656}"/>
+                <a16:creationId xmlns:a16="http://schemas.microsoft.com/office/drawing/2014/main" xmlns="" id="{FB59B2E2-F81E-40F9-BBEB-890FC880B656}"/>
               </a:ext>
             </a:extLst>
           </p:cNvPr>
@@ -11317,7 +11327,7 @@
     </p:spTree>
     <p:extLst>
       <p:ext uri="{BB962C8B-B14F-4D97-AF65-F5344CB8AC3E}">
-        <p14:creationId xmlns:p14="http://schemas.microsoft.com/office/powerpoint/2010/main" val="936368125"/>
+        <p14:creationId xmlns:p14="http://schemas.microsoft.com/office/powerpoint/2010/main" xmlns="" val="936368125"/>
       </p:ext>
     </p:extLst>
   </p:cSld>
@@ -11436,7 +11446,7 @@
           <p:cNvPr id="18" name="슬라이드 번호 개체 틀 17">
             <a:extLst>
               <a:ext uri="{FF2B5EF4-FFF2-40B4-BE49-F238E27FC236}">
-                <a16:creationId xmlns:a16="http://schemas.microsoft.com/office/drawing/2014/main" id="{80E74BDD-2288-4955-BCED-8609EFDE5904}"/>
+                <a16:creationId xmlns:a16="http://schemas.microsoft.com/office/drawing/2014/main" xmlns="" id="{80E74BDD-2288-4955-BCED-8609EFDE5904}"/>
               </a:ext>
             </a:extLst>
           </p:cNvPr>
@@ -11466,7 +11476,7 @@
           <p:cNvPr id="10" name="내용 개체 틀 2">
             <a:extLst>
               <a:ext uri="{FF2B5EF4-FFF2-40B4-BE49-F238E27FC236}">
-                <a16:creationId xmlns:a16="http://schemas.microsoft.com/office/drawing/2014/main" id="{13D30B6A-3884-4EF5-8CB1-6EEB784CF809}"/>
+                <a16:creationId xmlns:a16="http://schemas.microsoft.com/office/drawing/2014/main" xmlns="" id="{13D30B6A-3884-4EF5-8CB1-6EEB784CF809}"/>
               </a:ext>
             </a:extLst>
           </p:cNvPr>
@@ -11685,7 +11695,7 @@
           <p:cNvPr id="14" name="Picture 3" descr="C:\Users\user\Desktop\fasef.JPG">
             <a:extLst>
               <a:ext uri="{FF2B5EF4-FFF2-40B4-BE49-F238E27FC236}">
-                <a16:creationId xmlns:a16="http://schemas.microsoft.com/office/drawing/2014/main" id="{F759DEC6-3440-4448-98F4-9B2E91584282}"/>
+                <a16:creationId xmlns:a16="http://schemas.microsoft.com/office/drawing/2014/main" xmlns="" id="{F759DEC6-3440-4448-98F4-9B2E91584282}"/>
               </a:ext>
             </a:extLst>
           </p:cNvPr>
@@ -11715,7 +11725,7 @@
     </p:spTree>
     <p:extLst>
       <p:ext uri="{BB962C8B-B14F-4D97-AF65-F5344CB8AC3E}">
-        <p14:creationId xmlns:p14="http://schemas.microsoft.com/office/powerpoint/2010/main" val="4246876507"/>
+        <p14:creationId xmlns:p14="http://schemas.microsoft.com/office/powerpoint/2010/main" xmlns="" val="4246876507"/>
       </p:ext>
     </p:extLst>
   </p:cSld>
@@ -11834,7 +11844,7 @@
           <p:cNvPr id="13" name="그림 12">
             <a:extLst>
               <a:ext uri="{FF2B5EF4-FFF2-40B4-BE49-F238E27FC236}">
-                <a16:creationId xmlns:a16="http://schemas.microsoft.com/office/drawing/2014/main" id="{8E687D0E-D682-4D3D-91FF-764C2693AA77}"/>
+                <a16:creationId xmlns:a16="http://schemas.microsoft.com/office/drawing/2014/main" xmlns="" id="{8E687D0E-D682-4D3D-91FF-764C2693AA77}"/>
               </a:ext>
             </a:extLst>
           </p:cNvPr>
@@ -11847,7 +11857,7 @@
           <a:blip r:embed="rId3" cstate="print">
             <a:extLst>
               <a:ext uri="{28A0092B-C50C-407E-A947-70E740481C1C}">
-                <a14:useLocalDpi xmlns:a14="http://schemas.microsoft.com/office/drawing/2010/main" val="0"/>
+                <a14:useLocalDpi xmlns:a14="http://schemas.microsoft.com/office/drawing/2010/main" xmlns="" val="0"/>
               </a:ext>
             </a:extLst>
           </a:blip>
@@ -11870,7 +11880,7 @@
           <p:cNvPr id="18" name="슬라이드 번호 개체 틀 17">
             <a:extLst>
               <a:ext uri="{FF2B5EF4-FFF2-40B4-BE49-F238E27FC236}">
-                <a16:creationId xmlns:a16="http://schemas.microsoft.com/office/drawing/2014/main" id="{80E74BDD-2288-4955-BCED-8609EFDE5904}"/>
+                <a16:creationId xmlns:a16="http://schemas.microsoft.com/office/drawing/2014/main" xmlns="" id="{80E74BDD-2288-4955-BCED-8609EFDE5904}"/>
               </a:ext>
             </a:extLst>
           </p:cNvPr>
@@ -11900,7 +11910,7 @@
           <p:cNvPr id="10" name="그룹 9">
             <a:extLst>
               <a:ext uri="{FF2B5EF4-FFF2-40B4-BE49-F238E27FC236}">
-                <a16:creationId xmlns:a16="http://schemas.microsoft.com/office/drawing/2014/main" id="{4CE5C933-91E7-4233-BE92-BEAB2C88302B}"/>
+                <a16:creationId xmlns:a16="http://schemas.microsoft.com/office/drawing/2014/main" xmlns="" id="{4CE5C933-91E7-4233-BE92-BEAB2C88302B}"/>
               </a:ext>
             </a:extLst>
           </p:cNvPr>
@@ -11920,7 +11930,7 @@
             <p:cNvPr id="11" name="직사각형 10">
               <a:extLst>
                 <a:ext uri="{FF2B5EF4-FFF2-40B4-BE49-F238E27FC236}">
-                  <a16:creationId xmlns:a16="http://schemas.microsoft.com/office/drawing/2014/main" id="{2CC882CE-AF42-4E1C-8546-704317D0C0CB}"/>
+                  <a16:creationId xmlns:a16="http://schemas.microsoft.com/office/drawing/2014/main" xmlns="" id="{2CC882CE-AF42-4E1C-8546-704317D0C0CB}"/>
                 </a:ext>
               </a:extLst>
             </p:cNvPr>
@@ -11976,7 +11986,7 @@
             <p:cNvPr id="12" name="직사각형 11">
               <a:extLst>
                 <a:ext uri="{FF2B5EF4-FFF2-40B4-BE49-F238E27FC236}">
-                  <a16:creationId xmlns:a16="http://schemas.microsoft.com/office/drawing/2014/main" id="{FEF6180A-B947-43D9-A6B9-C31182CC24C7}"/>
+                  <a16:creationId xmlns:a16="http://schemas.microsoft.com/office/drawing/2014/main" xmlns="" id="{FEF6180A-B947-43D9-A6B9-C31182CC24C7}"/>
                 </a:ext>
               </a:extLst>
             </p:cNvPr>
@@ -12032,7 +12042,7 @@
             <p:cNvPr id="14" name="직사각형 13">
               <a:extLst>
                 <a:ext uri="{FF2B5EF4-FFF2-40B4-BE49-F238E27FC236}">
-                  <a16:creationId xmlns:a16="http://schemas.microsoft.com/office/drawing/2014/main" id="{F2C06F8D-16B8-44FD-85E9-8387F734D049}"/>
+                  <a16:creationId xmlns:a16="http://schemas.microsoft.com/office/drawing/2014/main" xmlns="" id="{F2C06F8D-16B8-44FD-85E9-8387F734D049}"/>
                 </a:ext>
               </a:extLst>
             </p:cNvPr>
@@ -12160,7 +12170,7 @@
             <p:cNvPr id="15" name="직사각형 14">
               <a:extLst>
                 <a:ext uri="{FF2B5EF4-FFF2-40B4-BE49-F238E27FC236}">
-                  <a16:creationId xmlns:a16="http://schemas.microsoft.com/office/drawing/2014/main" id="{75D1271A-0A7C-400B-B5DD-B71368D2AE4C}"/>
+                  <a16:creationId xmlns:a16="http://schemas.microsoft.com/office/drawing/2014/main" xmlns="" id="{75D1271A-0A7C-400B-B5DD-B71368D2AE4C}"/>
                 </a:ext>
               </a:extLst>
             </p:cNvPr>
@@ -12212,7 +12222,7 @@
             <p:cNvPr id="19" name="직사각형 18">
               <a:extLst>
                 <a:ext uri="{FF2B5EF4-FFF2-40B4-BE49-F238E27FC236}">
-                  <a16:creationId xmlns:a16="http://schemas.microsoft.com/office/drawing/2014/main" id="{5610522A-9FB9-4CC8-ABBF-A1AA647E99E0}"/>
+                  <a16:creationId xmlns:a16="http://schemas.microsoft.com/office/drawing/2014/main" xmlns="" id="{5610522A-9FB9-4CC8-ABBF-A1AA647E99E0}"/>
                 </a:ext>
               </a:extLst>
             </p:cNvPr>
@@ -12300,7 +12310,7 @@
     </p:spTree>
     <p:extLst>
       <p:ext uri="{BB962C8B-B14F-4D97-AF65-F5344CB8AC3E}">
-        <p14:creationId xmlns:p14="http://schemas.microsoft.com/office/powerpoint/2010/main" val="2007311873"/>
+        <p14:creationId xmlns:p14="http://schemas.microsoft.com/office/powerpoint/2010/main" xmlns="" val="2007311873"/>
       </p:ext>
     </p:extLst>
   </p:cSld>
@@ -12407,7 +12417,7 @@
           <p:cNvPr id="9" name="그림 8">
             <a:extLst>
               <a:ext uri="{FF2B5EF4-FFF2-40B4-BE49-F238E27FC236}">
-                <a16:creationId xmlns:a16="http://schemas.microsoft.com/office/drawing/2014/main" id="{572F4400-072C-4B3D-9BAD-9DA70D8AB449}"/>
+                <a16:creationId xmlns:a16="http://schemas.microsoft.com/office/drawing/2014/main" xmlns="" id="{572F4400-072C-4B3D-9BAD-9DA70D8AB449}"/>
               </a:ext>
             </a:extLst>
           </p:cNvPr>
@@ -12420,7 +12430,7 @@
           <a:blip r:embed="rId3" cstate="print">
             <a:extLst>
               <a:ext uri="{28A0092B-C50C-407E-A947-70E740481C1C}">
-                <a14:useLocalDpi xmlns:a14="http://schemas.microsoft.com/office/drawing/2010/main" val="0"/>
+                <a14:useLocalDpi xmlns:a14="http://schemas.microsoft.com/office/drawing/2010/main" xmlns="" val="0"/>
               </a:ext>
             </a:extLst>
           </a:blip>
@@ -12443,7 +12453,7 @@
           <p:cNvPr id="3" name="슬라이드 번호 개체 틀 2">
             <a:extLst>
               <a:ext uri="{FF2B5EF4-FFF2-40B4-BE49-F238E27FC236}">
-                <a16:creationId xmlns:a16="http://schemas.microsoft.com/office/drawing/2014/main" id="{FABADD19-C0F6-4381-8CB8-B7CBCD7EE44B}"/>
+                <a16:creationId xmlns:a16="http://schemas.microsoft.com/office/drawing/2014/main" xmlns="" id="{FABADD19-C0F6-4381-8CB8-B7CBCD7EE44B}"/>
               </a:ext>
             </a:extLst>
           </p:cNvPr>
@@ -12880,7 +12890,7 @@
           <p:cNvPr id="14" name="그림 13">
             <a:extLst>
               <a:ext uri="{FF2B5EF4-FFF2-40B4-BE49-F238E27FC236}">
-                <a16:creationId xmlns:a16="http://schemas.microsoft.com/office/drawing/2014/main" id="{517914D3-CB5E-4C68-8EB4-A506F910E523}"/>
+                <a16:creationId xmlns:a16="http://schemas.microsoft.com/office/drawing/2014/main" xmlns="" id="{517914D3-CB5E-4C68-8EB4-A506F910E523}"/>
               </a:ext>
             </a:extLst>
           </p:cNvPr>
@@ -12893,7 +12903,7 @@
           <a:blip r:embed="rId2" cstate="print">
             <a:extLst>
               <a:ext uri="{28A0092B-C50C-407E-A947-70E740481C1C}">
-                <a14:useLocalDpi xmlns:a14="http://schemas.microsoft.com/office/drawing/2010/main" val="0"/>
+                <a14:useLocalDpi xmlns:a14="http://schemas.microsoft.com/office/drawing/2010/main" xmlns="" val="0"/>
               </a:ext>
             </a:extLst>
           </a:blip>
@@ -12916,7 +12926,7 @@
           <p:cNvPr id="2" name="슬라이드 번호 개체 틀 1">
             <a:extLst>
               <a:ext uri="{FF2B5EF4-FFF2-40B4-BE49-F238E27FC236}">
-                <a16:creationId xmlns:a16="http://schemas.microsoft.com/office/drawing/2014/main" id="{5666C08D-42EF-4B68-9411-371F179260E5}"/>
+                <a16:creationId xmlns:a16="http://schemas.microsoft.com/office/drawing/2014/main" xmlns="" id="{5666C08D-42EF-4B68-9411-371F179260E5}"/>
               </a:ext>
             </a:extLst>
           </p:cNvPr>
@@ -13251,7 +13261,7 @@
           <p:cNvPr id="4" name="TextBox 3">
             <a:extLst>
               <a:ext uri="{FF2B5EF4-FFF2-40B4-BE49-F238E27FC236}">
-                <a16:creationId xmlns:a16="http://schemas.microsoft.com/office/drawing/2014/main" id="{CCF5EA5B-3058-4CA0-B073-66733B1B2758}"/>
+                <a16:creationId xmlns:a16="http://schemas.microsoft.com/office/drawing/2014/main" xmlns="" id="{CCF5EA5B-3058-4CA0-B073-66733B1B2758}"/>
               </a:ext>
             </a:extLst>
           </p:cNvPr>
@@ -13372,7 +13382,7 @@
           <p:cNvPr id="13" name="그림 12">
             <a:extLst>
               <a:ext uri="{FF2B5EF4-FFF2-40B4-BE49-F238E27FC236}">
-                <a16:creationId xmlns:a16="http://schemas.microsoft.com/office/drawing/2014/main" id="{8E687D0E-D682-4D3D-91FF-764C2693AA77}"/>
+                <a16:creationId xmlns:a16="http://schemas.microsoft.com/office/drawing/2014/main" xmlns="" id="{8E687D0E-D682-4D3D-91FF-764C2693AA77}"/>
               </a:ext>
             </a:extLst>
           </p:cNvPr>
@@ -13385,7 +13395,7 @@
           <a:blip r:embed="rId3" cstate="print">
             <a:extLst>
               <a:ext uri="{28A0092B-C50C-407E-A947-70E740481C1C}">
-                <a14:useLocalDpi xmlns:a14="http://schemas.microsoft.com/office/drawing/2010/main" val="0"/>
+                <a14:useLocalDpi xmlns:a14="http://schemas.microsoft.com/office/drawing/2010/main" xmlns="" val="0"/>
               </a:ext>
             </a:extLst>
           </a:blip>
@@ -13408,7 +13418,7 @@
           <p:cNvPr id="18" name="슬라이드 번호 개체 틀 17">
             <a:extLst>
               <a:ext uri="{FF2B5EF4-FFF2-40B4-BE49-F238E27FC236}">
-                <a16:creationId xmlns:a16="http://schemas.microsoft.com/office/drawing/2014/main" id="{80E74BDD-2288-4955-BCED-8609EFDE5904}"/>
+                <a16:creationId xmlns:a16="http://schemas.microsoft.com/office/drawing/2014/main" xmlns="" id="{80E74BDD-2288-4955-BCED-8609EFDE5904}"/>
               </a:ext>
             </a:extLst>
           </p:cNvPr>
@@ -13438,7 +13448,7 @@
           <p:cNvPr id="14" name="TextBox 13">
             <a:extLst>
               <a:ext uri="{FF2B5EF4-FFF2-40B4-BE49-F238E27FC236}">
-                <a16:creationId xmlns:a16="http://schemas.microsoft.com/office/drawing/2014/main" id="{8899C3A1-8D02-40A5-AAF0-BD7468F88DBB}"/>
+                <a16:creationId xmlns:a16="http://schemas.microsoft.com/office/drawing/2014/main" xmlns="" id="{8899C3A1-8D02-40A5-AAF0-BD7468F88DBB}"/>
               </a:ext>
             </a:extLst>
           </p:cNvPr>
@@ -13509,7 +13519,7 @@
           <p:cNvPr id="3" name="그림 2" descr="벽이(가) 표시된 사진&#10;&#10;자동 생성된 설명">
             <a:extLst>
               <a:ext uri="{FF2B5EF4-FFF2-40B4-BE49-F238E27FC236}">
-                <a16:creationId xmlns:a16="http://schemas.microsoft.com/office/drawing/2014/main" id="{EEB0722F-F6B1-42F9-BC21-D3B4BF6D4590}"/>
+                <a16:creationId xmlns:a16="http://schemas.microsoft.com/office/drawing/2014/main" xmlns="" id="{EEB0722F-F6B1-42F9-BC21-D3B4BF6D4590}"/>
               </a:ext>
             </a:extLst>
           </p:cNvPr>
@@ -13522,7 +13532,7 @@
           <a:blip r:embed="rId4" cstate="print">
             <a:extLst>
               <a:ext uri="{28A0092B-C50C-407E-A947-70E740481C1C}">
-                <a14:useLocalDpi xmlns:a14="http://schemas.microsoft.com/office/drawing/2010/main" val="0"/>
+                <a14:useLocalDpi xmlns:a14="http://schemas.microsoft.com/office/drawing/2010/main" xmlns="" val="0"/>
               </a:ext>
             </a:extLst>
           </a:blip>
@@ -13543,7 +13553,7 @@
     </p:spTree>
     <p:extLst>
       <p:ext uri="{BB962C8B-B14F-4D97-AF65-F5344CB8AC3E}">
-        <p14:creationId xmlns:p14="http://schemas.microsoft.com/office/powerpoint/2010/main" val="3347032952"/>
+        <p14:creationId xmlns:p14="http://schemas.microsoft.com/office/powerpoint/2010/main" xmlns="" val="3347032952"/>
       </p:ext>
     </p:extLst>
   </p:cSld>
@@ -13855,7 +13865,7 @@
           <p:cNvPr id="4" name="TextBox 3">
             <a:extLst>
               <a:ext uri="{FF2B5EF4-FFF2-40B4-BE49-F238E27FC236}">
-                <a16:creationId xmlns:a16="http://schemas.microsoft.com/office/drawing/2014/main" id="{CCF5EA5B-3058-4CA0-B073-66733B1B2758}"/>
+                <a16:creationId xmlns:a16="http://schemas.microsoft.com/office/drawing/2014/main" xmlns="" id="{CCF5EA5B-3058-4CA0-B073-66733B1B2758}"/>
               </a:ext>
             </a:extLst>
           </p:cNvPr>
@@ -13962,7 +13972,7 @@
           <p:cNvPr id="13" name="그림 12">
             <a:extLst>
               <a:ext uri="{FF2B5EF4-FFF2-40B4-BE49-F238E27FC236}">
-                <a16:creationId xmlns:a16="http://schemas.microsoft.com/office/drawing/2014/main" id="{8E687D0E-D682-4D3D-91FF-764C2693AA77}"/>
+                <a16:creationId xmlns:a16="http://schemas.microsoft.com/office/drawing/2014/main" xmlns="" id="{8E687D0E-D682-4D3D-91FF-764C2693AA77}"/>
               </a:ext>
             </a:extLst>
           </p:cNvPr>
@@ -13975,7 +13985,7 @@
           <a:blip r:embed="rId3" cstate="print">
             <a:extLst>
               <a:ext uri="{28A0092B-C50C-407E-A947-70E740481C1C}">
-                <a14:useLocalDpi xmlns:a14="http://schemas.microsoft.com/office/drawing/2010/main" val="0"/>
+                <a14:useLocalDpi xmlns:a14="http://schemas.microsoft.com/office/drawing/2010/main" xmlns="" val="0"/>
               </a:ext>
             </a:extLst>
           </a:blip>
@@ -13998,7 +14008,7 @@
           <p:cNvPr id="18" name="슬라이드 번호 개체 틀 17">
             <a:extLst>
               <a:ext uri="{FF2B5EF4-FFF2-40B4-BE49-F238E27FC236}">
-                <a16:creationId xmlns:a16="http://schemas.microsoft.com/office/drawing/2014/main" id="{80E74BDD-2288-4955-BCED-8609EFDE5904}"/>
+                <a16:creationId xmlns:a16="http://schemas.microsoft.com/office/drawing/2014/main" xmlns="" id="{80E74BDD-2288-4955-BCED-8609EFDE5904}"/>
               </a:ext>
             </a:extLst>
           </p:cNvPr>
@@ -14026,7 +14036,7 @@
     </p:spTree>
     <p:extLst>
       <p:ext uri="{BB962C8B-B14F-4D97-AF65-F5344CB8AC3E}">
-        <p14:creationId xmlns:p14="http://schemas.microsoft.com/office/powerpoint/2010/main" val="2484858801"/>
+        <p14:creationId xmlns:p14="http://schemas.microsoft.com/office/powerpoint/2010/main" xmlns="" val="2484858801"/>
       </p:ext>
     </p:extLst>
   </p:cSld>
@@ -14338,7 +14348,7 @@
           <p:cNvPr id="4" name="TextBox 3">
             <a:extLst>
               <a:ext uri="{FF2B5EF4-FFF2-40B4-BE49-F238E27FC236}">
-                <a16:creationId xmlns:a16="http://schemas.microsoft.com/office/drawing/2014/main" id="{CCF5EA5B-3058-4CA0-B073-66733B1B2758}"/>
+                <a16:creationId xmlns:a16="http://schemas.microsoft.com/office/drawing/2014/main" xmlns="" id="{CCF5EA5B-3058-4CA0-B073-66733B1B2758}"/>
               </a:ext>
             </a:extLst>
           </p:cNvPr>
@@ -14387,7 +14397,7 @@
           <p:cNvPr id="13" name="그림 12">
             <a:extLst>
               <a:ext uri="{FF2B5EF4-FFF2-40B4-BE49-F238E27FC236}">
-                <a16:creationId xmlns:a16="http://schemas.microsoft.com/office/drawing/2014/main" id="{8E687D0E-D682-4D3D-91FF-764C2693AA77}"/>
+                <a16:creationId xmlns:a16="http://schemas.microsoft.com/office/drawing/2014/main" xmlns="" id="{8E687D0E-D682-4D3D-91FF-764C2693AA77}"/>
               </a:ext>
             </a:extLst>
           </p:cNvPr>
@@ -14400,7 +14410,7 @@
           <a:blip r:embed="rId3" cstate="print">
             <a:extLst>
               <a:ext uri="{28A0092B-C50C-407E-A947-70E740481C1C}">
-                <a14:useLocalDpi xmlns:a14="http://schemas.microsoft.com/office/drawing/2010/main" val="0"/>
+                <a14:useLocalDpi xmlns:a14="http://schemas.microsoft.com/office/drawing/2010/main" xmlns="" val="0"/>
               </a:ext>
             </a:extLst>
           </a:blip>
@@ -14423,7 +14433,7 @@
           <p:cNvPr id="18" name="슬라이드 번호 개체 틀 17">
             <a:extLst>
               <a:ext uri="{FF2B5EF4-FFF2-40B4-BE49-F238E27FC236}">
-                <a16:creationId xmlns:a16="http://schemas.microsoft.com/office/drawing/2014/main" id="{80E74BDD-2288-4955-BCED-8609EFDE5904}"/>
+                <a16:creationId xmlns:a16="http://schemas.microsoft.com/office/drawing/2014/main" xmlns="" id="{80E74BDD-2288-4955-BCED-8609EFDE5904}"/>
               </a:ext>
             </a:extLst>
           </p:cNvPr>
@@ -14451,7 +14461,7 @@
     </p:spTree>
     <p:extLst>
       <p:ext uri="{BB962C8B-B14F-4D97-AF65-F5344CB8AC3E}">
-        <p14:creationId xmlns:p14="http://schemas.microsoft.com/office/powerpoint/2010/main" val="1003385642"/>
+        <p14:creationId xmlns:p14="http://schemas.microsoft.com/office/powerpoint/2010/main" xmlns="" val="1003385642"/>
       </p:ext>
     </p:extLst>
   </p:cSld>
@@ -14763,7 +14773,7 @@
           <p:cNvPr id="4" name="TextBox 3">
             <a:extLst>
               <a:ext uri="{FF2B5EF4-FFF2-40B4-BE49-F238E27FC236}">
-                <a16:creationId xmlns:a16="http://schemas.microsoft.com/office/drawing/2014/main" id="{CCF5EA5B-3058-4CA0-B073-66733B1B2758}"/>
+                <a16:creationId xmlns:a16="http://schemas.microsoft.com/office/drawing/2014/main" xmlns="" id="{CCF5EA5B-3058-4CA0-B073-66733B1B2758}"/>
               </a:ext>
             </a:extLst>
           </p:cNvPr>
@@ -14843,7 +14853,7 @@
           <p:cNvPr id="10" name="그림 9">
             <a:extLst>
               <a:ext uri="{FF2B5EF4-FFF2-40B4-BE49-F238E27FC236}">
-                <a16:creationId xmlns:a16="http://schemas.microsoft.com/office/drawing/2014/main" id="{FD2D1CC6-6C7E-4A42-AEE4-FA9DE60AC81D}"/>
+                <a16:creationId xmlns:a16="http://schemas.microsoft.com/office/drawing/2014/main" xmlns="" id="{FD2D1CC6-6C7E-4A42-AEE4-FA9DE60AC81D}"/>
               </a:ext>
             </a:extLst>
           </p:cNvPr>
@@ -14856,7 +14866,7 @@
           <a:blip r:embed="rId3" cstate="print">
             <a:extLst>
               <a:ext uri="{28A0092B-C50C-407E-A947-70E740481C1C}">
-                <a14:useLocalDpi xmlns:a14="http://schemas.microsoft.com/office/drawing/2010/main" val="0"/>
+                <a14:useLocalDpi xmlns:a14="http://schemas.microsoft.com/office/drawing/2010/main" xmlns="" val="0"/>
               </a:ext>
             </a:extLst>
           </a:blip>
@@ -14879,7 +14889,7 @@
           <p:cNvPr id="6" name="슬라이드 번호 개체 틀 5">
             <a:extLst>
               <a:ext uri="{FF2B5EF4-FFF2-40B4-BE49-F238E27FC236}">
-                <a16:creationId xmlns:a16="http://schemas.microsoft.com/office/drawing/2014/main" id="{6C1F68C3-167E-451C-8815-76D6C10B9C4C}"/>
+                <a16:creationId xmlns:a16="http://schemas.microsoft.com/office/drawing/2014/main" xmlns="" id="{6C1F68C3-167E-451C-8815-76D6C10B9C4C}"/>
               </a:ext>
             </a:extLst>
           </p:cNvPr>
@@ -14907,7 +14917,7 @@
     </p:spTree>
     <p:extLst>
       <p:ext uri="{BB962C8B-B14F-4D97-AF65-F5344CB8AC3E}">
-        <p14:creationId xmlns:p14="http://schemas.microsoft.com/office/powerpoint/2010/main" val="3040925803"/>
+        <p14:creationId xmlns:p14="http://schemas.microsoft.com/office/powerpoint/2010/main" xmlns="" val="3040925803"/>
       </p:ext>
     </p:extLst>
   </p:cSld>
@@ -15219,7 +15229,7 @@
           <p:cNvPr id="4" name="TextBox 3">
             <a:extLst>
               <a:ext uri="{FF2B5EF4-FFF2-40B4-BE49-F238E27FC236}">
-                <a16:creationId xmlns:a16="http://schemas.microsoft.com/office/drawing/2014/main" id="{CCF5EA5B-3058-4CA0-B073-66733B1B2758}"/>
+                <a16:creationId xmlns:a16="http://schemas.microsoft.com/office/drawing/2014/main" xmlns="" id="{CCF5EA5B-3058-4CA0-B073-66733B1B2758}"/>
               </a:ext>
             </a:extLst>
           </p:cNvPr>
@@ -15337,7 +15347,7 @@
           <p:cNvPr id="10" name="그림 9">
             <a:extLst>
               <a:ext uri="{FF2B5EF4-FFF2-40B4-BE49-F238E27FC236}">
-                <a16:creationId xmlns:a16="http://schemas.microsoft.com/office/drawing/2014/main" id="{FD2D1CC6-6C7E-4A42-AEE4-FA9DE60AC81D}"/>
+                <a16:creationId xmlns:a16="http://schemas.microsoft.com/office/drawing/2014/main" xmlns="" id="{FD2D1CC6-6C7E-4A42-AEE4-FA9DE60AC81D}"/>
               </a:ext>
             </a:extLst>
           </p:cNvPr>
@@ -15350,7 +15360,7 @@
           <a:blip r:embed="rId3" cstate="print">
             <a:extLst>
               <a:ext uri="{28A0092B-C50C-407E-A947-70E740481C1C}">
-                <a14:useLocalDpi xmlns:a14="http://schemas.microsoft.com/office/drawing/2010/main" val="0"/>
+                <a14:useLocalDpi xmlns:a14="http://schemas.microsoft.com/office/drawing/2010/main" xmlns="" val="0"/>
               </a:ext>
             </a:extLst>
           </a:blip>
@@ -15373,7 +15383,7 @@
           <p:cNvPr id="6" name="슬라이드 번호 개체 틀 5">
             <a:extLst>
               <a:ext uri="{FF2B5EF4-FFF2-40B4-BE49-F238E27FC236}">
-                <a16:creationId xmlns:a16="http://schemas.microsoft.com/office/drawing/2014/main" id="{6C1F68C3-167E-451C-8815-76D6C10B9C4C}"/>
+                <a16:creationId xmlns:a16="http://schemas.microsoft.com/office/drawing/2014/main" xmlns="" id="{6C1F68C3-167E-451C-8815-76D6C10B9C4C}"/>
               </a:ext>
             </a:extLst>
           </p:cNvPr>
@@ -15403,7 +15413,7 @@
           <p:cNvPr id="11" name="그룹 10">
             <a:extLst>
               <a:ext uri="{FF2B5EF4-FFF2-40B4-BE49-F238E27FC236}">
-                <a16:creationId xmlns:a16="http://schemas.microsoft.com/office/drawing/2014/main" id="{67D6520C-AA57-40B0-84D1-03B26F675CC2}"/>
+                <a16:creationId xmlns:a16="http://schemas.microsoft.com/office/drawing/2014/main" xmlns="" id="{67D6520C-AA57-40B0-84D1-03B26F675CC2}"/>
               </a:ext>
             </a:extLst>
           </p:cNvPr>
@@ -15423,7 +15433,7 @@
             <p:cNvPr id="9" name="TextBox 8">
               <a:extLst>
                 <a:ext uri="{FF2B5EF4-FFF2-40B4-BE49-F238E27FC236}">
-                  <a16:creationId xmlns:a16="http://schemas.microsoft.com/office/drawing/2014/main" id="{443CFDD5-B905-416C-A762-E6D8F473BB92}"/>
+                  <a16:creationId xmlns:a16="http://schemas.microsoft.com/office/drawing/2014/main" xmlns="" id="{443CFDD5-B905-416C-A762-E6D8F473BB92}"/>
                 </a:ext>
               </a:extLst>
             </p:cNvPr>
@@ -15480,7 +15490,7 @@
             <p:cNvPr id="3" name="그림 2">
               <a:extLst>
                 <a:ext uri="{FF2B5EF4-FFF2-40B4-BE49-F238E27FC236}">
-                  <a16:creationId xmlns:a16="http://schemas.microsoft.com/office/drawing/2014/main" id="{391140F8-5502-46C8-991C-64B61E9C902D}"/>
+                  <a16:creationId xmlns:a16="http://schemas.microsoft.com/office/drawing/2014/main" xmlns="" id="{391140F8-5502-46C8-991C-64B61E9C902D}"/>
                 </a:ext>
               </a:extLst>
             </p:cNvPr>
@@ -15493,7 +15503,7 @@
             <a:blip r:embed="rId4" cstate="print">
               <a:extLst>
                 <a:ext uri="{28A0092B-C50C-407E-A947-70E740481C1C}">
-                  <a14:useLocalDpi xmlns:a14="http://schemas.microsoft.com/office/drawing/2010/main" val="0"/>
+                  <a14:useLocalDpi xmlns:a14="http://schemas.microsoft.com/office/drawing/2010/main" xmlns="" val="0"/>
                 </a:ext>
               </a:extLst>
             </a:blip>
@@ -15516,7 +15526,7 @@
             <p:cNvPr id="7" name="그림 6" descr="실내, 더러운이(가) 표시된 사진&#10;&#10;자동 생성된 설명">
               <a:extLst>
                 <a:ext uri="{FF2B5EF4-FFF2-40B4-BE49-F238E27FC236}">
-                  <a16:creationId xmlns:a16="http://schemas.microsoft.com/office/drawing/2014/main" id="{F10513B7-FCDA-4552-AD98-0C1FB3AB1671}"/>
+                  <a16:creationId xmlns:a16="http://schemas.microsoft.com/office/drawing/2014/main" xmlns="" id="{F10513B7-FCDA-4552-AD98-0C1FB3AB1671}"/>
                 </a:ext>
               </a:extLst>
             </p:cNvPr>
@@ -15529,7 +15539,7 @@
             <a:blip r:embed="rId5" cstate="print">
               <a:extLst>
                 <a:ext uri="{28A0092B-C50C-407E-A947-70E740481C1C}">
-                  <a14:useLocalDpi xmlns:a14="http://schemas.microsoft.com/office/drawing/2010/main" val="0"/>
+                  <a14:useLocalDpi xmlns:a14="http://schemas.microsoft.com/office/drawing/2010/main" xmlns="" val="0"/>
                 </a:ext>
               </a:extLst>
             </a:blip>
@@ -15551,7 +15561,7 @@
     </p:spTree>
     <p:extLst>
       <p:ext uri="{BB962C8B-B14F-4D97-AF65-F5344CB8AC3E}">
-        <p14:creationId xmlns:p14="http://schemas.microsoft.com/office/powerpoint/2010/main" val="483784588"/>
+        <p14:creationId xmlns:p14="http://schemas.microsoft.com/office/powerpoint/2010/main" xmlns="" val="483784588"/>
       </p:ext>
     </p:extLst>
   </p:cSld>
@@ -15583,7 +15593,7 @@
           <p:cNvPr id="2" name="그룹 1">
             <a:extLst>
               <a:ext uri="{FF2B5EF4-FFF2-40B4-BE49-F238E27FC236}">
-                <a16:creationId xmlns:a16="http://schemas.microsoft.com/office/drawing/2014/main" id="{5257EF0A-2959-4F41-A0D7-5FED493DDF9F}"/>
+                <a16:creationId xmlns:a16="http://schemas.microsoft.com/office/drawing/2014/main" xmlns="" id="{5257EF0A-2959-4F41-A0D7-5FED493DDF9F}"/>
               </a:ext>
             </a:extLst>
           </p:cNvPr>
@@ -15603,7 +15613,7 @@
             <p:cNvPr id="9" name="TextBox 8">
               <a:extLst>
                 <a:ext uri="{FF2B5EF4-FFF2-40B4-BE49-F238E27FC236}">
-                  <a16:creationId xmlns:a16="http://schemas.microsoft.com/office/drawing/2014/main" id="{D3947105-6879-445D-B76B-D5EFC8256F29}"/>
+                  <a16:creationId xmlns:a16="http://schemas.microsoft.com/office/drawing/2014/main" xmlns="" id="{D3947105-6879-445D-B76B-D5EFC8256F29}"/>
                 </a:ext>
               </a:extLst>
             </p:cNvPr>
@@ -15664,7 +15674,7 @@
             <p:cNvPr id="14" name="TextBox 13">
               <a:extLst>
                 <a:ext uri="{FF2B5EF4-FFF2-40B4-BE49-F238E27FC236}">
-                  <a16:creationId xmlns:a16="http://schemas.microsoft.com/office/drawing/2014/main" id="{7A9521EC-3235-494C-93F6-585BC9C3B43E}"/>
+                  <a16:creationId xmlns:a16="http://schemas.microsoft.com/office/drawing/2014/main" xmlns="" id="{7A9521EC-3235-494C-93F6-585BC9C3B43E}"/>
                 </a:ext>
               </a:extLst>
             </p:cNvPr>
@@ -15710,7 +15720,7 @@
             <p:cNvPr id="25" name="그룹 24">
               <a:extLst>
                 <a:ext uri="{FF2B5EF4-FFF2-40B4-BE49-F238E27FC236}">
-                  <a16:creationId xmlns:a16="http://schemas.microsoft.com/office/drawing/2014/main" id="{1D2D99A6-C3A5-455C-8184-43DACE6D4904}"/>
+                  <a16:creationId xmlns:a16="http://schemas.microsoft.com/office/drawing/2014/main" xmlns="" id="{1D2D99A6-C3A5-455C-8184-43DACE6D4904}"/>
                 </a:ext>
               </a:extLst>
             </p:cNvPr>
@@ -15730,7 +15740,7 @@
               <p:cNvPr id="5" name="직선 연결선 4">
                 <a:extLst>
                   <a:ext uri="{FF2B5EF4-FFF2-40B4-BE49-F238E27FC236}">
-                    <a16:creationId xmlns:a16="http://schemas.microsoft.com/office/drawing/2014/main" id="{F3920279-48F9-42E9-8322-AE444CC499BF}"/>
+                    <a16:creationId xmlns:a16="http://schemas.microsoft.com/office/drawing/2014/main" xmlns="" id="{F3920279-48F9-42E9-8322-AE444CC499BF}"/>
                   </a:ext>
                 </a:extLst>
               </p:cNvPr>
@@ -15779,7 +15789,7 @@
               <p:cNvPr id="7" name="직사각형 6">
                 <a:extLst>
                   <a:ext uri="{FF2B5EF4-FFF2-40B4-BE49-F238E27FC236}">
-                    <a16:creationId xmlns:a16="http://schemas.microsoft.com/office/drawing/2014/main" id="{54FF5575-BD81-49D6-BF4F-81749C4C22BA}"/>
+                    <a16:creationId xmlns:a16="http://schemas.microsoft.com/office/drawing/2014/main" xmlns="" id="{54FF5575-BD81-49D6-BF4F-81749C4C22BA}"/>
                   </a:ext>
                 </a:extLst>
               </p:cNvPr>
@@ -15838,7 +15848,7 @@
           <p:cNvPr id="11" name="그림 10">
             <a:extLst>
               <a:ext uri="{FF2B5EF4-FFF2-40B4-BE49-F238E27FC236}">
-                <a16:creationId xmlns:a16="http://schemas.microsoft.com/office/drawing/2014/main" id="{63FA9DA7-248E-41A7-8482-CB899B3407EF}"/>
+                <a16:creationId xmlns:a16="http://schemas.microsoft.com/office/drawing/2014/main" xmlns="" id="{63FA9DA7-248E-41A7-8482-CB899B3407EF}"/>
               </a:ext>
             </a:extLst>
           </p:cNvPr>
@@ -15851,7 +15861,7 @@
           <a:blip r:embed="rId3" cstate="print">
             <a:extLst>
               <a:ext uri="{28A0092B-C50C-407E-A947-70E740481C1C}">
-                <a14:useLocalDpi xmlns:a14="http://schemas.microsoft.com/office/drawing/2010/main" val="0"/>
+                <a14:useLocalDpi xmlns:a14="http://schemas.microsoft.com/office/drawing/2010/main" xmlns="" val="0"/>
               </a:ext>
             </a:extLst>
           </a:blip>
@@ -15874,7 +15884,7 @@
           <p:cNvPr id="4" name="슬라이드 번호 개체 틀 3">
             <a:extLst>
               <a:ext uri="{FF2B5EF4-FFF2-40B4-BE49-F238E27FC236}">
-                <a16:creationId xmlns:a16="http://schemas.microsoft.com/office/drawing/2014/main" id="{FB59B2E2-F81E-40F9-BBEB-890FC880B656}"/>
+                <a16:creationId xmlns:a16="http://schemas.microsoft.com/office/drawing/2014/main" xmlns="" id="{FB59B2E2-F81E-40F9-BBEB-890FC880B656}"/>
               </a:ext>
             </a:extLst>
           </p:cNvPr>
@@ -15902,7 +15912,7 @@
     </p:spTree>
     <p:extLst>
       <p:ext uri="{BB962C8B-B14F-4D97-AF65-F5344CB8AC3E}">
-        <p14:creationId xmlns:p14="http://schemas.microsoft.com/office/powerpoint/2010/main" val="3393553001"/>
+        <p14:creationId xmlns:p14="http://schemas.microsoft.com/office/powerpoint/2010/main" xmlns="" val="3393553001"/>
       </p:ext>
     </p:extLst>
   </p:cSld>
